--- a/lci_gastrectomy.pptx
+++ b/lci_gastrectomy.pptx
@@ -4656,7 +4656,7 @@
             </a:pPr>
             <a:r>
               <a:rPr b="1"/>
-              <a:t>Treatment options depend upont the cancer stage</a:t>
+              <a:t>Treatment options depend upon the cancer stage</a:t>
             </a:r>
           </a:p>
         </p:txBody>

--- a/lci_gastrectomy.pptx
+++ b/lci_gastrectomy.pptx
@@ -4295,7 +4295,7 @@
             <a:pPr lvl="0"/>
             <a:r>
               <a:rPr/>
-              <a:t>Some esophageal cancers can spread inside the abdomen</a:t>
+              <a:t>Some stomach cancers can spread inside the abdomen</a:t>
             </a:r>
           </a:p>
           <a:p>

--- a/lci_gastrectomy.pptx
+++ b/lci_gastrectomy.pptx
@@ -24,6 +24,8 @@
     <p:sldId id="272" r:id="rId18"/>
     <p:sldId id="273" r:id="rId19"/>
     <p:sldId id="274" r:id="rId20"/>
+    <p:sldId id="275" r:id="rId21"/>
+    <p:sldId id="276" r:id="rId22"/>
   </p:sldIdLst>
   <p:sldSz cx="9144000" cy="5143500" type="screen16x9"/>
   <p:notesSz cx="6858000" cy="9144000"/>
@@ -4509,45 +4511,7 @@
             </a:pPr>
             <a:r>
               <a:rPr/>
-              <a:t>Other Presentations</a:t>
-            </a:r>
-          </a:p>
-        </p:txBody>
-      </p:sp>
-      <p:sp>
-        <p:nvSpPr>
-          <p:cNvPr id="3" name="Content Placeholder 2"/>
-          <p:cNvSpPr>
-            <a:spLocks noGrp="1"/>
-          </p:cNvSpPr>
-          <p:nvPr>
-            <p:ph idx="1"/>
-          </p:nvPr>
-        </p:nvSpPr>
-        <p:spPr/>
-        <p:txBody>
-          <a:bodyPr/>
-          <a:lstStyle/>
-          <a:p>
-            <a:pPr lvl="0" indent="0" marL="0">
-              <a:buNone/>
-            </a:pPr>
-            <a:r>
-              <a:rPr>
-                <a:hlinkClick r:id="rId2"/>
-              </a:rPr>
-              <a:t>Nutrition Slideshow</a:t>
-            </a:r>
-          </a:p>
-          <a:p>
-            <a:pPr lvl="0" indent="0" marL="0">
-              <a:buNone/>
-            </a:pPr>
-            <a:r>
-              <a:rPr>
-                <a:hlinkClick r:id="rId3"/>
-              </a:rPr>
-              <a:t>Gastrectomy Slideshow</a:t>
+              <a:t>Exercise</a:t>
             </a:r>
           </a:p>
         </p:txBody>
@@ -4657,6 +4621,138 @@
             <a:r>
               <a:rPr b="1"/>
               <a:t>Treatment options depend upon the cancer stage</a:t>
+            </a:r>
+          </a:p>
+        </p:txBody>
+      </p:sp>
+    </p:spTree>
+  </p:cSld>
+</p:sld>
+</file>
+
+<file path=ppt/slides/slide20.xml><?xml version="1.0" encoding="utf-8"?>
+<p:sld xmlns:a="http://schemas.openxmlformats.org/drawingml/2006/main" xmlns:r="http://schemas.openxmlformats.org/officeDocument/2006/relationships" xmlns:p="http://schemas.openxmlformats.org/presentationml/2006/main">
+  <p:cSld>
+    <p:spTree>
+      <p:nvGrpSpPr>
+        <p:cNvPr id="1" name=""/>
+        <p:cNvGrpSpPr/>
+        <p:nvPr/>
+      </p:nvGrpSpPr>
+      <p:grpSpPr>
+        <a:xfrm>
+          <a:off x="0" y="0"/>
+          <a:ext cx="0" cy="0"/>
+          <a:chOff x="0" y="0"/>
+          <a:chExt cx="0" cy="0"/>
+        </a:xfrm>
+      </p:grpSpPr>
+      <p:sp>
+        <p:nvSpPr>
+          <p:cNvPr id="2" name="Title 1"/>
+          <p:cNvSpPr>
+            <a:spLocks noGrp="1"/>
+          </p:cNvSpPr>
+          <p:nvPr>
+            <p:ph type="title"/>
+          </p:nvPr>
+        </p:nvSpPr>
+        <p:spPr/>
+        <p:txBody>
+          <a:bodyPr/>
+          <a:lstStyle/>
+          <a:p>
+            <a:pPr lvl="0" indent="0" marL="0">
+              <a:buNone/>
+            </a:pPr>
+            <a:r>
+              <a:rPr/>
+              <a:t>Smoking</a:t>
+            </a:r>
+          </a:p>
+        </p:txBody>
+      </p:sp>
+    </p:spTree>
+  </p:cSld>
+</p:sld>
+</file>
+
+<file path=ppt/slides/slide21.xml><?xml version="1.0" encoding="utf-8"?>
+<p:sld xmlns:a="http://schemas.openxmlformats.org/drawingml/2006/main" xmlns:r="http://schemas.openxmlformats.org/officeDocument/2006/relationships" xmlns:p="http://schemas.openxmlformats.org/presentationml/2006/main">
+  <p:cSld>
+    <p:spTree>
+      <p:nvGrpSpPr>
+        <p:cNvPr id="1" name=""/>
+        <p:cNvGrpSpPr/>
+        <p:nvPr/>
+      </p:nvGrpSpPr>
+      <p:grpSpPr>
+        <a:xfrm>
+          <a:off x="0" y="0"/>
+          <a:ext cx="0" cy="0"/>
+          <a:chOff x="0" y="0"/>
+          <a:chExt cx="0" cy="0"/>
+        </a:xfrm>
+      </p:grpSpPr>
+      <p:sp>
+        <p:nvSpPr>
+          <p:cNvPr id="2" name="Title 1"/>
+          <p:cNvSpPr>
+            <a:spLocks noGrp="1"/>
+          </p:cNvSpPr>
+          <p:nvPr>
+            <p:ph type="title"/>
+          </p:nvPr>
+        </p:nvSpPr>
+        <p:spPr/>
+        <p:txBody>
+          <a:bodyPr/>
+          <a:lstStyle/>
+          <a:p>
+            <a:pPr lvl="0" indent="0" marL="0">
+              <a:buNone/>
+            </a:pPr>
+            <a:r>
+              <a:rPr/>
+              <a:t>Other Presentations</a:t>
+            </a:r>
+          </a:p>
+        </p:txBody>
+      </p:sp>
+      <p:sp>
+        <p:nvSpPr>
+          <p:cNvPr id="3" name="Content Placeholder 2"/>
+          <p:cNvSpPr>
+            <a:spLocks noGrp="1"/>
+          </p:cNvSpPr>
+          <p:nvPr>
+            <p:ph idx="1"/>
+          </p:nvPr>
+        </p:nvSpPr>
+        <p:spPr/>
+        <p:txBody>
+          <a:bodyPr/>
+          <a:lstStyle/>
+          <a:p>
+            <a:pPr lvl="0" indent="0" marL="0">
+              <a:buNone/>
+            </a:pPr>
+            <a:r>
+              <a:rPr>
+                <a:hlinkClick r:id="rId2"/>
+              </a:rPr>
+              <a:t>Nutrition Slideshow</a:t>
+            </a:r>
+          </a:p>
+          <a:p>
+            <a:pPr lvl="0" indent="0" marL="0">
+              <a:buNone/>
+            </a:pPr>
+            <a:r>
+              <a:rPr>
+                <a:hlinkClick r:id="rId3"/>
+              </a:rPr>
+              <a:t>Gastrectomy Slideshow</a:t>
             </a:r>
           </a:p>
         </p:txBody>

--- a/lci_gastrectomy.pptx
+++ b/lci_gastrectomy.pptx
@@ -322,7 +322,7 @@
           <a:p>
             <a:fld id="{241EB5C9-1307-BA42-ABA2-0BC069CD8E7F}" type="datetimeFigureOut">
               <a:rPr lang="en-US" smtClean="0"/>
-              <a:t>11/14/24</a:t>
+              <a:t>1/8/25</a:t>
             </a:fld>
             <a:endParaRPr lang="en-US"/>
           </a:p>
@@ -490,7 +490,7 @@
           <a:p>
             <a:fld id="{241EB5C9-1307-BA42-ABA2-0BC069CD8E7F}" type="datetimeFigureOut">
               <a:rPr lang="en-US" smtClean="0"/>
-              <a:t>11/14/24</a:t>
+              <a:t>1/8/25</a:t>
             </a:fld>
             <a:endParaRPr lang="en-US"/>
           </a:p>
@@ -668,7 +668,7 @@
           <a:p>
             <a:fld id="{241EB5C9-1307-BA42-ABA2-0BC069CD8E7F}" type="datetimeFigureOut">
               <a:rPr lang="en-US" smtClean="0"/>
-              <a:t>11/14/24</a:t>
+              <a:t>1/8/25</a:t>
             </a:fld>
             <a:endParaRPr lang="en-US"/>
           </a:p>
@@ -846,7 +846,7 @@
           <a:p>
             <a:fld id="{241EB5C9-1307-BA42-ABA2-0BC069CD8E7F}" type="datetimeFigureOut">
               <a:rPr lang="en-US" smtClean="0"/>
-              <a:t>11/14/24</a:t>
+              <a:t>1/8/25</a:t>
             </a:fld>
             <a:endParaRPr lang="en-US"/>
           </a:p>
@@ -1091,7 +1091,8 @@
         <p:txBody>
           <a:bodyPr/>
           <a:lstStyle>
-            <a:lvl1pPr>
+            <a:lvl1pPr marL="228600" indent="-228600">
+              <a:tabLst/>
               <a:defRPr sz="2800"/>
             </a:lvl1pPr>
             <a:lvl2pPr>
@@ -1155,7 +1156,7 @@
           <a:p>
             <a:fld id="{241EB5C9-1307-BA42-ABA2-0BC069CD8E7F}" type="datetimeFigureOut">
               <a:rPr lang="en-US" smtClean="0"/>
-              <a:t>11/14/24</a:t>
+              <a:t>1/8/25</a:t>
             </a:fld>
             <a:endParaRPr lang="en-US"/>
           </a:p>
@@ -1416,7 +1417,7 @@
           <a:p>
             <a:fld id="{241EB5C9-1307-BA42-ABA2-0BC069CD8E7F}" type="datetimeFigureOut">
               <a:rPr lang="en-US" smtClean="0"/>
-              <a:t>11/14/24</a:t>
+              <a:t>1/8/25</a:t>
             </a:fld>
             <a:endParaRPr lang="en-US"/>
           </a:p>
@@ -1535,8 +1536,9 @@
         <p:txBody>
           <a:bodyPr/>
           <a:lstStyle>
-            <a:lvl1pPr>
-              <a:defRPr sz="2400"/>
+            <a:lvl1pPr marL="174625" indent="-174625">
+              <a:tabLst/>
+              <a:defRPr sz="2800"/>
             </a:lvl1pPr>
             <a:lvl2pPr>
               <a:defRPr sz="1800"/>
@@ -1619,8 +1621,9 @@
         <p:txBody>
           <a:bodyPr/>
           <a:lstStyle>
-            <a:lvl1pPr>
-              <a:defRPr sz="2400"/>
+            <a:lvl1pPr marL="174625" indent="-174625">
+              <a:tabLst/>
+              <a:defRPr sz="2800"/>
             </a:lvl1pPr>
             <a:lvl2pPr>
               <a:defRPr sz="1800"/>
@@ -1701,7 +1704,7 @@
           <a:p>
             <a:fld id="{241EB5C9-1307-BA42-ABA2-0BC069CD8E7F}" type="datetimeFigureOut">
               <a:rPr lang="en-US" smtClean="0"/>
-              <a:t>11/14/24</a:t>
+              <a:t>1/8/25</a:t>
             </a:fld>
             <a:endParaRPr lang="en-US"/>
           </a:p>
@@ -2120,7 +2123,7 @@
           <a:p>
             <a:fld id="{241EB5C9-1307-BA42-ABA2-0BC069CD8E7F}" type="datetimeFigureOut">
               <a:rPr lang="en-US" smtClean="0"/>
-              <a:t>11/14/24</a:t>
+              <a:t>1/8/25</a:t>
             </a:fld>
             <a:endParaRPr lang="en-US"/>
           </a:p>
@@ -2237,7 +2240,7 @@
           <a:p>
             <a:fld id="{241EB5C9-1307-BA42-ABA2-0BC069CD8E7F}" type="datetimeFigureOut">
               <a:rPr lang="en-US" smtClean="0"/>
-              <a:t>11/14/24</a:t>
+              <a:t>1/8/25</a:t>
             </a:fld>
             <a:endParaRPr lang="en-US"/>
           </a:p>
@@ -2332,7 +2335,7 @@
           <a:p>
             <a:fld id="{241EB5C9-1307-BA42-ABA2-0BC069CD8E7F}" type="datetimeFigureOut">
               <a:rPr lang="en-US" smtClean="0"/>
-              <a:t>11/14/24</a:t>
+              <a:t>1/8/25</a:t>
             </a:fld>
             <a:endParaRPr lang="en-US"/>
           </a:p>
@@ -2607,7 +2610,7 @@
           <a:p>
             <a:fld id="{241EB5C9-1307-BA42-ABA2-0BC069CD8E7F}" type="datetimeFigureOut">
               <a:rPr lang="en-US" smtClean="0"/>
-              <a:t>11/14/24</a:t>
+              <a:t>1/8/25</a:t>
             </a:fld>
             <a:endParaRPr lang="en-US"/>
           </a:p>
@@ -2859,7 +2862,7 @@
           <a:p>
             <a:fld id="{241EB5C9-1307-BA42-ABA2-0BC069CD8E7F}" type="datetimeFigureOut">
               <a:rPr lang="en-US" smtClean="0"/>
-              <a:t>11/14/24</a:t>
+              <a:t>1/8/25</a:t>
             </a:fld>
             <a:endParaRPr lang="en-US"/>
           </a:p>
@@ -3070,7 +3073,7 @@
           <a:p>
             <a:fld id="{241EB5C9-1307-BA42-ABA2-0BC069CD8E7F}" type="datetimeFigureOut">
               <a:rPr lang="en-US" smtClean="0"/>
-              <a:t>11/14/24</a:t>
+              <a:t>1/8/25</a:t>
             </a:fld>
             <a:endParaRPr lang="en-US"/>
           </a:p>
@@ -3426,6 +3429,22 @@
       </a:lvl9pPr>
     </p:otherStyle>
   </p:txStyles>
+  <p:extLst>
+    <p:ext uri="{27BBF7A9-308A-43DC-89C8-2F10F3537804}">
+      <p15:sldGuideLst xmlns:p15="http://schemas.microsoft.com/office/powerpoint/2012/main">
+        <p15:guide id="1" orient="horz" pos="1620" userDrawn="1">
+          <p15:clr>
+            <a:srgbClr val="F26B43"/>
+          </p15:clr>
+        </p15:guide>
+        <p15:guide id="2" pos="2880" userDrawn="1">
+          <p15:clr>
+            <a:srgbClr val="F26B43"/>
+          </p15:clr>
+        </p15:guide>
+      </p15:sldGuideLst>
+    </p:ext>
+  </p:extLst>
 </p:sldMaster>
 </file>
 

--- a/lci_gastrectomy.pptx
+++ b/lci_gastrectomy.pptx
@@ -322,7 +322,7 @@
           <a:p>
             <a:fld id="{241EB5C9-1307-BA42-ABA2-0BC069CD8E7F}" type="datetimeFigureOut">
               <a:rPr lang="en-US" smtClean="0"/>
-              <a:t>1/8/25</a:t>
+              <a:t>1/11/25</a:t>
             </a:fld>
             <a:endParaRPr lang="en-US"/>
           </a:p>
@@ -490,7 +490,7 @@
           <a:p>
             <a:fld id="{241EB5C9-1307-BA42-ABA2-0BC069CD8E7F}" type="datetimeFigureOut">
               <a:rPr lang="en-US" smtClean="0"/>
-              <a:t>1/8/25</a:t>
+              <a:t>1/11/25</a:t>
             </a:fld>
             <a:endParaRPr lang="en-US"/>
           </a:p>
@@ -668,7 +668,7 @@
           <a:p>
             <a:fld id="{241EB5C9-1307-BA42-ABA2-0BC069CD8E7F}" type="datetimeFigureOut">
               <a:rPr lang="en-US" smtClean="0"/>
-              <a:t>1/8/25</a:t>
+              <a:t>1/11/25</a:t>
             </a:fld>
             <a:endParaRPr lang="en-US"/>
           </a:p>
@@ -846,7 +846,7 @@
           <a:p>
             <a:fld id="{241EB5C9-1307-BA42-ABA2-0BC069CD8E7F}" type="datetimeFigureOut">
               <a:rPr lang="en-US" smtClean="0"/>
-              <a:t>1/8/25</a:t>
+              <a:t>1/11/25</a:t>
             </a:fld>
             <a:endParaRPr lang="en-US"/>
           </a:p>
@@ -1065,7 +1065,12 @@
             <p:ph type="title"/>
           </p:nvPr>
         </p:nvSpPr>
-        <p:spPr/>
+        <p:spPr>
+          <a:xfrm>
+            <a:off x="284309" y="205979"/>
+            <a:ext cx="8552330" cy="857250"/>
+          </a:xfrm>
+        </p:spPr>
         <p:txBody>
           <a:bodyPr/>
           <a:lstStyle/>
@@ -1087,7 +1092,12 @@
             <p:ph idx="1"/>
           </p:nvPr>
         </p:nvSpPr>
-        <p:spPr/>
+        <p:spPr>
+          <a:xfrm>
+            <a:off x="284309" y="1200151"/>
+            <a:ext cx="8552330" cy="3737370"/>
+          </a:xfrm>
+        </p:spPr>
         <p:txBody>
           <a:bodyPr/>
           <a:lstStyle>
@@ -1136,71 +1146,6 @@
               <a:rPr lang="en-US" dirty="0"/>
               <a:t>Fifth level</a:t>
             </a:r>
-          </a:p>
-        </p:txBody>
-      </p:sp>
-      <p:sp>
-        <p:nvSpPr>
-          <p:cNvPr id="4" name="Date Placeholder 3"/>
-          <p:cNvSpPr>
-            <a:spLocks noGrp="1"/>
-          </p:cNvSpPr>
-          <p:nvPr>
-            <p:ph type="dt" sz="half" idx="10"/>
-          </p:nvPr>
-        </p:nvSpPr>
-        <p:spPr/>
-        <p:txBody>
-          <a:bodyPr/>
-          <a:lstStyle/>
-          <a:p>
-            <a:fld id="{241EB5C9-1307-BA42-ABA2-0BC069CD8E7F}" type="datetimeFigureOut">
-              <a:rPr lang="en-US" smtClean="0"/>
-              <a:t>1/8/25</a:t>
-            </a:fld>
-            <a:endParaRPr lang="en-US"/>
-          </a:p>
-        </p:txBody>
-      </p:sp>
-      <p:sp>
-        <p:nvSpPr>
-          <p:cNvPr id="5" name="Footer Placeholder 4"/>
-          <p:cNvSpPr>
-            <a:spLocks noGrp="1"/>
-          </p:cNvSpPr>
-          <p:nvPr>
-            <p:ph type="ftr" sz="quarter" idx="11"/>
-          </p:nvPr>
-        </p:nvSpPr>
-        <p:spPr/>
-        <p:txBody>
-          <a:bodyPr/>
-          <a:lstStyle/>
-          <a:p>
-            <a:endParaRPr lang="en-US"/>
-          </a:p>
-        </p:txBody>
-      </p:sp>
-      <p:sp>
-        <p:nvSpPr>
-          <p:cNvPr id="6" name="Slide Number Placeholder 5"/>
-          <p:cNvSpPr>
-            <a:spLocks noGrp="1"/>
-          </p:cNvSpPr>
-          <p:nvPr>
-            <p:ph type="sldNum" sz="quarter" idx="12"/>
-          </p:nvPr>
-        </p:nvSpPr>
-        <p:spPr/>
-        <p:txBody>
-          <a:bodyPr/>
-          <a:lstStyle/>
-          <a:p>
-            <a:fld id="{C5EF2332-01BF-834F-8236-50238282D533}" type="slidenum">
-              <a:rPr lang="en-US" smtClean="0"/>
-              <a:t>‹#›</a:t>
-            </a:fld>
-            <a:endParaRPr lang="en-US"/>
           </a:p>
         </p:txBody>
       </p:sp>
@@ -1417,7 +1362,7 @@
           <a:p>
             <a:fld id="{241EB5C9-1307-BA42-ABA2-0BC069CD8E7F}" type="datetimeFigureOut">
               <a:rPr lang="en-US" smtClean="0"/>
-              <a:t>1/8/25</a:t>
+              <a:t>1/11/25</a:t>
             </a:fld>
             <a:endParaRPr lang="en-US"/>
           </a:p>
@@ -1505,7 +1450,12 @@
             <p:ph type="title"/>
           </p:nvPr>
         </p:nvSpPr>
-        <p:spPr/>
+        <p:spPr>
+          <a:xfrm>
+            <a:off x="315045" y="205979"/>
+            <a:ext cx="8529278" cy="857250"/>
+          </a:xfrm>
+        </p:spPr>
         <p:txBody>
           <a:bodyPr/>
           <a:lstStyle/>
@@ -1529,8 +1479,8 @@
         </p:nvSpPr>
         <p:spPr>
           <a:xfrm>
-            <a:off x="457200" y="1200151"/>
-            <a:ext cx="4038600" cy="3394472"/>
+            <a:off x="315045" y="1200151"/>
+            <a:ext cx="4180755" cy="3737370"/>
           </a:xfrm>
         </p:spPr>
         <p:txBody>
@@ -1614,8 +1564,8 @@
         </p:nvSpPr>
         <p:spPr>
           <a:xfrm>
-            <a:off x="4648200" y="1200151"/>
-            <a:ext cx="4038600" cy="3394472"/>
+            <a:off x="4648199" y="1200151"/>
+            <a:ext cx="4196123" cy="3737370"/>
           </a:xfrm>
         </p:spPr>
         <p:txBody>
@@ -1687,71 +1637,6 @@
           </a:p>
         </p:txBody>
       </p:sp>
-      <p:sp>
-        <p:nvSpPr>
-          <p:cNvPr id="5" name="Date Placeholder 4"/>
-          <p:cNvSpPr>
-            <a:spLocks noGrp="1"/>
-          </p:cNvSpPr>
-          <p:nvPr>
-            <p:ph type="dt" sz="half" idx="10"/>
-          </p:nvPr>
-        </p:nvSpPr>
-        <p:spPr/>
-        <p:txBody>
-          <a:bodyPr/>
-          <a:lstStyle/>
-          <a:p>
-            <a:fld id="{241EB5C9-1307-BA42-ABA2-0BC069CD8E7F}" type="datetimeFigureOut">
-              <a:rPr lang="en-US" smtClean="0"/>
-              <a:t>1/8/25</a:t>
-            </a:fld>
-            <a:endParaRPr lang="en-US"/>
-          </a:p>
-        </p:txBody>
-      </p:sp>
-      <p:sp>
-        <p:nvSpPr>
-          <p:cNvPr id="6" name="Footer Placeholder 5"/>
-          <p:cNvSpPr>
-            <a:spLocks noGrp="1"/>
-          </p:cNvSpPr>
-          <p:nvPr>
-            <p:ph type="ftr" sz="quarter" idx="11"/>
-          </p:nvPr>
-        </p:nvSpPr>
-        <p:spPr/>
-        <p:txBody>
-          <a:bodyPr/>
-          <a:lstStyle/>
-          <a:p>
-            <a:endParaRPr lang="en-US"/>
-          </a:p>
-        </p:txBody>
-      </p:sp>
-      <p:sp>
-        <p:nvSpPr>
-          <p:cNvPr id="7" name="Slide Number Placeholder 6"/>
-          <p:cNvSpPr>
-            <a:spLocks noGrp="1"/>
-          </p:cNvSpPr>
-          <p:nvPr>
-            <p:ph type="sldNum" sz="quarter" idx="12"/>
-          </p:nvPr>
-        </p:nvSpPr>
-        <p:spPr/>
-        <p:txBody>
-          <a:bodyPr/>
-          <a:lstStyle/>
-          <a:p>
-            <a:fld id="{C5EF2332-01BF-834F-8236-50238282D533}" type="slidenum">
-              <a:rPr lang="en-US" smtClean="0"/>
-              <a:t>‹#›</a:t>
-            </a:fld>
-            <a:endParaRPr lang="en-US"/>
-          </a:p>
-        </p:txBody>
-      </p:sp>
     </p:spTree>
     <p:extLst>
       <p:ext uri="{BB962C8B-B14F-4D97-AF65-F5344CB8AC3E}">
@@ -2123,7 +2008,7 @@
           <a:p>
             <a:fld id="{241EB5C9-1307-BA42-ABA2-0BC069CD8E7F}" type="datetimeFigureOut">
               <a:rPr lang="en-US" smtClean="0"/>
-              <a:t>1/8/25</a:t>
+              <a:t>1/11/25</a:t>
             </a:fld>
             <a:endParaRPr lang="en-US"/>
           </a:p>
@@ -2240,7 +2125,7 @@
           <a:p>
             <a:fld id="{241EB5C9-1307-BA42-ABA2-0BC069CD8E7F}" type="datetimeFigureOut">
               <a:rPr lang="en-US" smtClean="0"/>
-              <a:t>1/8/25</a:t>
+              <a:t>1/11/25</a:t>
             </a:fld>
             <a:endParaRPr lang="en-US"/>
           </a:p>
@@ -2335,7 +2220,7 @@
           <a:p>
             <a:fld id="{241EB5C9-1307-BA42-ABA2-0BC069CD8E7F}" type="datetimeFigureOut">
               <a:rPr lang="en-US" smtClean="0"/>
-              <a:t>1/8/25</a:t>
+              <a:t>1/11/25</a:t>
             </a:fld>
             <a:endParaRPr lang="en-US"/>
           </a:p>
@@ -2610,7 +2495,7 @@
           <a:p>
             <a:fld id="{241EB5C9-1307-BA42-ABA2-0BC069CD8E7F}" type="datetimeFigureOut">
               <a:rPr lang="en-US" smtClean="0"/>
-              <a:t>1/8/25</a:t>
+              <a:t>1/11/25</a:t>
             </a:fld>
             <a:endParaRPr lang="en-US"/>
           </a:p>
@@ -2862,7 +2747,7 @@
           <a:p>
             <a:fld id="{241EB5C9-1307-BA42-ABA2-0BC069CD8E7F}" type="datetimeFigureOut">
               <a:rPr lang="en-US" smtClean="0"/>
-              <a:t>1/8/25</a:t>
+              <a:t>1/11/25</a:t>
             </a:fld>
             <a:endParaRPr lang="en-US"/>
           </a:p>
@@ -3073,7 +2958,7 @@
           <a:p>
             <a:fld id="{241EB5C9-1307-BA42-ABA2-0BC069CD8E7F}" type="datetimeFigureOut">
               <a:rPr lang="en-US" smtClean="0"/>
-              <a:t>1/8/25</a:t>
+              <a:t>1/11/25</a:t>
             </a:fld>
             <a:endParaRPr lang="en-US"/>
           </a:p>
@@ -3555,7 +3440,12 @@
             <p:ph type="title"/>
           </p:nvPr>
         </p:nvSpPr>
-        <p:spPr/>
+        <p:spPr>
+          <a:xfrm>
+            <a:off x="315045" y="205979"/>
+            <a:ext cx="8529278" cy="857250"/>
+          </a:xfrm>
+        </p:spPr>
         <p:txBody>
           <a:bodyPr/>
           <a:lstStyle/>
@@ -3586,8 +3476,8 @@
         </p:blipFill>
         <p:spPr bwMode="auto">
           <a:xfrm>
-            <a:off x="1168400" y="1193800"/>
-            <a:ext cx="2616200" cy="3390900"/>
+            <a:off x="952500" y="1193800"/>
+            <a:ext cx="2882900" cy="3733800"/>
           </a:xfrm>
           <a:prstGeom prst="rect">
             <a:avLst/>
@@ -3616,8 +3506,8 @@
         </p:blipFill>
         <p:spPr bwMode="auto">
           <a:xfrm>
-            <a:off x="5359400" y="1193800"/>
-            <a:ext cx="2616200" cy="3390900"/>
+            <a:off x="5283200" y="1193800"/>
+            <a:ext cx="2882900" cy="3733800"/>
           </a:xfrm>
           <a:prstGeom prst="rect">
             <a:avLst/>
@@ -3662,7 +3552,12 @@
             <p:ph type="title"/>
           </p:nvPr>
         </p:nvSpPr>
-        <p:spPr/>
+        <p:spPr>
+          <a:xfrm>
+            <a:off x="315045" y="205979"/>
+            <a:ext cx="8529278" cy="857250"/>
+          </a:xfrm>
+        </p:spPr>
         <p:txBody>
           <a:bodyPr/>
           <a:lstStyle/>
@@ -3719,8 +3614,8 @@
         </p:blipFill>
         <p:spPr bwMode="auto">
           <a:xfrm>
-            <a:off x="5359400" y="1193800"/>
-            <a:ext cx="2616200" cy="3390900"/>
+            <a:off x="5283200" y="1193800"/>
+            <a:ext cx="2882900" cy="3733800"/>
           </a:xfrm>
           <a:prstGeom prst="rect">
             <a:avLst/>
@@ -3765,7 +3660,12 @@
             <p:ph type="title"/>
           </p:nvPr>
         </p:nvSpPr>
-        <p:spPr/>
+        <p:spPr>
+          <a:xfrm>
+            <a:off x="315045" y="205979"/>
+            <a:ext cx="8529278" cy="857250"/>
+          </a:xfrm>
+        </p:spPr>
         <p:txBody>
           <a:bodyPr/>
           <a:lstStyle/>
@@ -3822,8 +3722,8 @@
         </p:blipFill>
         <p:spPr bwMode="auto">
           <a:xfrm>
-            <a:off x="5359400" y="1193800"/>
-            <a:ext cx="2616200" cy="3390900"/>
+            <a:off x="5283200" y="1193800"/>
+            <a:ext cx="2882900" cy="3733800"/>
           </a:xfrm>
           <a:prstGeom prst="rect">
             <a:avLst/>
@@ -3868,7 +3768,12 @@
             <p:ph type="title"/>
           </p:nvPr>
         </p:nvSpPr>
-        <p:spPr/>
+        <p:spPr>
+          <a:xfrm>
+            <a:off x="315045" y="205979"/>
+            <a:ext cx="8529278" cy="857250"/>
+          </a:xfrm>
+        </p:spPr>
         <p:txBody>
           <a:bodyPr/>
           <a:lstStyle/>
@@ -3899,8 +3804,8 @@
         </p:blipFill>
         <p:spPr bwMode="auto">
           <a:xfrm>
-            <a:off x="1168400" y="1193800"/>
-            <a:ext cx="2616200" cy="3390900"/>
+            <a:off x="952500" y="1193800"/>
+            <a:ext cx="2882900" cy="3733800"/>
           </a:xfrm>
           <a:prstGeom prst="rect">
             <a:avLst/>
@@ -3929,8 +3834,8 @@
         </p:blipFill>
         <p:spPr bwMode="auto">
           <a:xfrm>
-            <a:off x="5359400" y="1193800"/>
-            <a:ext cx="2616200" cy="3390900"/>
+            <a:off x="5283200" y="1193800"/>
+            <a:ext cx="2882900" cy="3733800"/>
           </a:xfrm>
           <a:prstGeom prst="rect">
             <a:avLst/>
@@ -3975,7 +3880,12 @@
             <p:ph type="title"/>
           </p:nvPr>
         </p:nvSpPr>
-        <p:spPr/>
+        <p:spPr>
+          <a:xfrm>
+            <a:off x="315045" y="205979"/>
+            <a:ext cx="8529278" cy="857250"/>
+          </a:xfrm>
+        </p:spPr>
         <p:txBody>
           <a:bodyPr/>
           <a:lstStyle/>
@@ -4039,8 +3949,8 @@
         </p:blipFill>
         <p:spPr bwMode="auto">
           <a:xfrm>
-            <a:off x="5359400" y="1193800"/>
-            <a:ext cx="2616200" cy="3390900"/>
+            <a:off x="5283200" y="1193800"/>
+            <a:ext cx="2882900" cy="3733800"/>
           </a:xfrm>
           <a:prstGeom prst="rect">
             <a:avLst/>
@@ -4085,7 +3995,12 @@
             <p:ph type="title"/>
           </p:nvPr>
         </p:nvSpPr>
-        <p:spPr/>
+        <p:spPr>
+          <a:xfrm>
+            <a:off x="315045" y="205979"/>
+            <a:ext cx="8529278" cy="857250"/>
+          </a:xfrm>
+        </p:spPr>
         <p:txBody>
           <a:bodyPr/>
           <a:lstStyle/>
@@ -4116,8 +4031,8 @@
         </p:blipFill>
         <p:spPr bwMode="auto">
           <a:xfrm>
-            <a:off x="1168400" y="1193800"/>
-            <a:ext cx="2616200" cy="3390900"/>
+            <a:off x="952500" y="1193800"/>
+            <a:ext cx="2882900" cy="3733800"/>
           </a:xfrm>
           <a:prstGeom prst="rect">
             <a:avLst/>
@@ -4146,8 +4061,8 @@
         </p:blipFill>
         <p:spPr bwMode="auto">
           <a:xfrm>
-            <a:off x="5359400" y="1193800"/>
-            <a:ext cx="2616200" cy="3390900"/>
+            <a:off x="5283200" y="1193800"/>
+            <a:ext cx="2882900" cy="3733800"/>
           </a:xfrm>
           <a:prstGeom prst="rect">
             <a:avLst/>
@@ -4192,7 +4107,12 @@
             <p:ph type="title"/>
           </p:nvPr>
         </p:nvSpPr>
-        <p:spPr/>
+        <p:spPr>
+          <a:xfrm>
+            <a:off x="284309" y="205979"/>
+            <a:ext cx="8552330" cy="857250"/>
+          </a:xfrm>
+        </p:spPr>
         <p:txBody>
           <a:bodyPr/>
           <a:lstStyle/>
@@ -4283,7 +4203,12 @@
             <p:ph type="title"/>
           </p:nvPr>
         </p:nvSpPr>
-        <p:spPr/>
+        <p:spPr>
+          <a:xfrm>
+            <a:off x="315045" y="205979"/>
+            <a:ext cx="8529278" cy="857250"/>
+          </a:xfrm>
+        </p:spPr>
         <p:txBody>
           <a:bodyPr/>
           <a:lstStyle/>
@@ -4351,8 +4276,8 @@
         </p:blipFill>
         <p:spPr bwMode="auto">
           <a:xfrm>
-            <a:off x="5016500" y="1193800"/>
-            <a:ext cx="3302000" cy="3390900"/>
+            <a:off x="4914900" y="1193800"/>
+            <a:ext cx="3632200" cy="3733800"/>
           </a:xfrm>
           <a:prstGeom prst="rect">
             <a:avLst/>
@@ -4397,7 +4322,12 @@
             <p:ph type="title"/>
           </p:nvPr>
         </p:nvSpPr>
-        <p:spPr/>
+        <p:spPr>
+          <a:xfrm>
+            <a:off x="315045" y="205979"/>
+            <a:ext cx="8529278" cy="857250"/>
+          </a:xfrm>
+        </p:spPr>
         <p:txBody>
           <a:bodyPr/>
           <a:lstStyle/>
@@ -4474,8 +4404,8 @@
         </p:blipFill>
         <p:spPr bwMode="auto">
           <a:xfrm>
-            <a:off x="5016500" y="1193800"/>
-            <a:ext cx="3302000" cy="3390900"/>
+            <a:off x="4914900" y="1193800"/>
+            <a:ext cx="3632200" cy="3733800"/>
           </a:xfrm>
           <a:prstGeom prst="rect">
             <a:avLst/>
@@ -4520,7 +4450,12 @@
             <p:ph type="title"/>
           </p:nvPr>
         </p:nvSpPr>
-        <p:spPr/>
+        <p:spPr>
+          <a:xfrm>
+            <a:off x="284309" y="205979"/>
+            <a:ext cx="8552330" cy="857250"/>
+          </a:xfrm>
+        </p:spPr>
         <p:txBody>
           <a:bodyPr/>
           <a:lstStyle/>
@@ -4567,7 +4502,12 @@
             <p:ph type="title"/>
           </p:nvPr>
         </p:nvSpPr>
-        <p:spPr/>
+        <p:spPr>
+          <a:xfrm>
+            <a:off x="284309" y="205979"/>
+            <a:ext cx="8552330" cy="857250"/>
+          </a:xfrm>
+        </p:spPr>
         <p:txBody>
           <a:bodyPr/>
           <a:lstStyle/>
@@ -4676,7 +4616,12 @@
             <p:ph type="title"/>
           </p:nvPr>
         </p:nvSpPr>
-        <p:spPr/>
+        <p:spPr>
+          <a:xfrm>
+            <a:off x="284309" y="205979"/>
+            <a:ext cx="8552330" cy="857250"/>
+          </a:xfrm>
+        </p:spPr>
         <p:txBody>
           <a:bodyPr/>
           <a:lstStyle/>
@@ -4723,7 +4668,12 @@
             <p:ph type="title"/>
           </p:nvPr>
         </p:nvSpPr>
-        <p:spPr/>
+        <p:spPr>
+          <a:xfrm>
+            <a:off x="284309" y="205979"/>
+            <a:ext cx="8552330" cy="857250"/>
+          </a:xfrm>
+        </p:spPr>
         <p:txBody>
           <a:bodyPr/>
           <a:lstStyle/>
@@ -4808,7 +4758,12 @@
             <p:ph type="title"/>
           </p:nvPr>
         </p:nvSpPr>
-        <p:spPr/>
+        <p:spPr>
+          <a:xfrm>
+            <a:off x="315045" y="205979"/>
+            <a:ext cx="8529278" cy="857250"/>
+          </a:xfrm>
+        </p:spPr>
         <p:txBody>
           <a:bodyPr/>
           <a:lstStyle/>
@@ -4866,8 +4821,8 @@
         </p:blipFill>
         <p:spPr bwMode="auto">
           <a:xfrm>
-            <a:off x="5359400" y="1193800"/>
-            <a:ext cx="2616200" cy="3390900"/>
+            <a:off x="5283200" y="1193800"/>
+            <a:ext cx="2882900" cy="3733800"/>
           </a:xfrm>
           <a:prstGeom prst="rect">
             <a:avLst/>
@@ -4912,7 +4867,12 @@
             <p:ph type="title"/>
           </p:nvPr>
         </p:nvSpPr>
-        <p:spPr/>
+        <p:spPr>
+          <a:xfrm>
+            <a:off x="315045" y="205979"/>
+            <a:ext cx="8529278" cy="857250"/>
+          </a:xfrm>
+        </p:spPr>
         <p:txBody>
           <a:bodyPr/>
           <a:lstStyle/>
@@ -4969,8 +4929,8 @@
         </p:blipFill>
         <p:spPr bwMode="auto">
           <a:xfrm>
-            <a:off x="5359400" y="1193800"/>
-            <a:ext cx="2616200" cy="3390900"/>
+            <a:off x="5283200" y="1193800"/>
+            <a:ext cx="2882900" cy="3733800"/>
           </a:xfrm>
           <a:prstGeom prst="rect">
             <a:avLst/>
@@ -5015,7 +4975,12 @@
             <p:ph type="title"/>
           </p:nvPr>
         </p:nvSpPr>
-        <p:spPr/>
+        <p:spPr>
+          <a:xfrm>
+            <a:off x="315045" y="205979"/>
+            <a:ext cx="8529278" cy="857250"/>
+          </a:xfrm>
+        </p:spPr>
         <p:txBody>
           <a:bodyPr/>
           <a:lstStyle/>
@@ -5046,8 +5011,8 @@
         </p:blipFill>
         <p:spPr bwMode="auto">
           <a:xfrm>
-            <a:off x="1168400" y="1193800"/>
-            <a:ext cx="2616200" cy="3390900"/>
+            <a:off x="952500" y="1193800"/>
+            <a:ext cx="2882900" cy="3733800"/>
           </a:xfrm>
           <a:prstGeom prst="rect">
             <a:avLst/>
@@ -5076,8 +5041,8 @@
         </p:blipFill>
         <p:spPr bwMode="auto">
           <a:xfrm>
-            <a:off x="5359400" y="1193800"/>
-            <a:ext cx="2616200" cy="3390900"/>
+            <a:off x="5283200" y="1193800"/>
+            <a:ext cx="2882900" cy="3733800"/>
           </a:xfrm>
           <a:prstGeom prst="rect">
             <a:avLst/>
@@ -5122,7 +5087,12 @@
             <p:ph type="title"/>
           </p:nvPr>
         </p:nvSpPr>
-        <p:spPr/>
+        <p:spPr>
+          <a:xfrm>
+            <a:off x="315045" y="205979"/>
+            <a:ext cx="8529278" cy="857250"/>
+          </a:xfrm>
+        </p:spPr>
         <p:txBody>
           <a:bodyPr/>
           <a:lstStyle/>
@@ -5197,8 +5167,8 @@
         </p:blipFill>
         <p:spPr bwMode="auto">
           <a:xfrm>
-            <a:off x="5156200" y="1193800"/>
-            <a:ext cx="3022600" cy="3390900"/>
+            <a:off x="5067300" y="1193800"/>
+            <a:ext cx="3327400" cy="3733800"/>
           </a:xfrm>
           <a:prstGeom prst="rect">
             <a:avLst/>
@@ -5243,7 +5213,12 @@
             <p:ph type="title"/>
           </p:nvPr>
         </p:nvSpPr>
-        <p:spPr/>
+        <p:spPr>
+          <a:xfrm>
+            <a:off x="315045" y="205979"/>
+            <a:ext cx="8529278" cy="857250"/>
+          </a:xfrm>
+        </p:spPr>
         <p:txBody>
           <a:bodyPr/>
           <a:lstStyle/>
@@ -5274,8 +5249,8 @@
         </p:blipFill>
         <p:spPr bwMode="auto">
           <a:xfrm>
-            <a:off x="1168400" y="1193800"/>
-            <a:ext cx="2616200" cy="3390900"/>
+            <a:off x="952500" y="1193800"/>
+            <a:ext cx="2882900" cy="3733800"/>
           </a:xfrm>
           <a:prstGeom prst="rect">
             <a:avLst/>
@@ -5304,8 +5279,8 @@
         </p:blipFill>
         <p:spPr bwMode="auto">
           <a:xfrm>
-            <a:off x="5156200" y="1193800"/>
-            <a:ext cx="3022600" cy="3390900"/>
+            <a:off x="5067300" y="1193800"/>
+            <a:ext cx="3327400" cy="3733800"/>
           </a:xfrm>
           <a:prstGeom prst="rect">
             <a:avLst/>
@@ -5350,7 +5325,12 @@
             <p:ph type="title"/>
           </p:nvPr>
         </p:nvSpPr>
-        <p:spPr/>
+        <p:spPr>
+          <a:xfrm>
+            <a:off x="315045" y="205979"/>
+            <a:ext cx="8529278" cy="857250"/>
+          </a:xfrm>
+        </p:spPr>
         <p:txBody>
           <a:bodyPr/>
           <a:lstStyle/>
@@ -5408,8 +5388,8 @@
         </p:blipFill>
         <p:spPr bwMode="auto">
           <a:xfrm>
-            <a:off x="5359400" y="1193800"/>
-            <a:ext cx="2616200" cy="3390900"/>
+            <a:off x="5283200" y="1193800"/>
+            <a:ext cx="2882900" cy="3733800"/>
           </a:xfrm>
           <a:prstGeom prst="rect">
             <a:avLst/>
@@ -5454,7 +5434,12 @@
             <p:ph type="title"/>
           </p:nvPr>
         </p:nvSpPr>
-        <p:spPr/>
+        <p:spPr>
+          <a:xfrm>
+            <a:off x="315045" y="205979"/>
+            <a:ext cx="8529278" cy="857250"/>
+          </a:xfrm>
+        </p:spPr>
         <p:txBody>
           <a:bodyPr/>
           <a:lstStyle/>
@@ -5512,8 +5497,8 @@
         </p:blipFill>
         <p:spPr bwMode="auto">
           <a:xfrm>
-            <a:off x="5359400" y="1193800"/>
-            <a:ext cx="2616200" cy="3390900"/>
+            <a:off x="5283200" y="1193800"/>
+            <a:ext cx="2882900" cy="3733800"/>
           </a:xfrm>
           <a:prstGeom prst="rect">
             <a:avLst/>

--- a/lci_gastrectomy.pptx
+++ b/lci_gastrectomy.pptx
@@ -26,6 +26,9 @@
     <p:sldId id="274" r:id="rId20"/>
     <p:sldId id="275" r:id="rId21"/>
     <p:sldId id="276" r:id="rId22"/>
+    <p:sldId id="277" r:id="rId23"/>
+    <p:sldId id="278" r:id="rId24"/>
+    <p:sldId id="279" r:id="rId25"/>
   </p:sldIdLst>
   <p:sldSz cx="9144000" cy="5143500" type="screen16x9"/>
   <p:notesSz cx="6858000" cy="9144000"/>
@@ -178,10 +181,16 @@
         </p:spPr>
         <p:txBody>
           <a:bodyPr/>
-          <a:lstStyle/>
-          <a:p>
-            <a:r>
-              <a:rPr lang="en-US"/>
+          <a:lstStyle>
+            <a:lvl1pPr>
+              <a:defRPr baseline="0">
+                <a:latin typeface="Lato Semibold" panose="020F0502020204030203" pitchFamily="34" charset="0"/>
+              </a:defRPr>
+            </a:lvl1pPr>
+          </a:lstStyle>
+          <a:p>
+            <a:r>
+              <a:rPr lang="en-US" dirty="0"/>
               <a:t>Click to edit Master title style</a:t>
             </a:r>
           </a:p>
@@ -315,7 +324,15 @@
             <p:ph type="dt" sz="half" idx="10"/>
           </p:nvPr>
         </p:nvSpPr>
-        <p:spPr/>
+        <p:spPr>
+          <a:xfrm>
+            <a:off x="457200" y="4767263"/>
+            <a:ext cx="2133600" cy="273844"/>
+          </a:xfrm>
+          <a:prstGeom prst="rect">
+            <a:avLst/>
+          </a:prstGeom>
+        </p:spPr>
         <p:txBody>
           <a:bodyPr/>
           <a:lstStyle/>
@@ -338,7 +355,15 @@
             <p:ph type="ftr" sz="quarter" idx="11"/>
           </p:nvPr>
         </p:nvSpPr>
-        <p:spPr/>
+        <p:spPr>
+          <a:xfrm>
+            <a:off x="3124200" y="4767263"/>
+            <a:ext cx="2895600" cy="273844"/>
+          </a:xfrm>
+          <a:prstGeom prst="rect">
+            <a:avLst/>
+          </a:prstGeom>
+        </p:spPr>
         <p:txBody>
           <a:bodyPr/>
           <a:lstStyle/>
@@ -357,7 +382,15 @@
             <p:ph type="sldNum" sz="quarter" idx="12"/>
           </p:nvPr>
         </p:nvSpPr>
-        <p:spPr/>
+        <p:spPr>
+          <a:xfrm>
+            <a:off x="6553200" y="4767263"/>
+            <a:ext cx="2133600" cy="273844"/>
+          </a:xfrm>
+          <a:prstGeom prst="rect">
+            <a:avLst/>
+          </a:prstGeom>
+        </p:spPr>
         <p:txBody>
           <a:bodyPr/>
           <a:lstStyle/>
@@ -483,7 +516,15 @@
             <p:ph type="dt" sz="half" idx="10"/>
           </p:nvPr>
         </p:nvSpPr>
-        <p:spPr/>
+        <p:spPr>
+          <a:xfrm>
+            <a:off x="457200" y="4767263"/>
+            <a:ext cx="2133600" cy="273844"/>
+          </a:xfrm>
+          <a:prstGeom prst="rect">
+            <a:avLst/>
+          </a:prstGeom>
+        </p:spPr>
         <p:txBody>
           <a:bodyPr/>
           <a:lstStyle/>
@@ -506,7 +547,15 @@
             <p:ph type="ftr" sz="quarter" idx="11"/>
           </p:nvPr>
         </p:nvSpPr>
-        <p:spPr/>
+        <p:spPr>
+          <a:xfrm>
+            <a:off x="3124200" y="4767263"/>
+            <a:ext cx="2895600" cy="273844"/>
+          </a:xfrm>
+          <a:prstGeom prst="rect">
+            <a:avLst/>
+          </a:prstGeom>
+        </p:spPr>
         <p:txBody>
           <a:bodyPr/>
           <a:lstStyle/>
@@ -525,7 +574,15 @@
             <p:ph type="sldNum" sz="quarter" idx="12"/>
           </p:nvPr>
         </p:nvSpPr>
-        <p:spPr/>
+        <p:spPr>
+          <a:xfrm>
+            <a:off x="6553200" y="4767263"/>
+            <a:ext cx="2133600" cy="273844"/>
+          </a:xfrm>
+          <a:prstGeom prst="rect">
+            <a:avLst/>
+          </a:prstGeom>
+        </p:spPr>
         <p:txBody>
           <a:bodyPr/>
           <a:lstStyle/>
@@ -661,7 +718,15 @@
             <p:ph type="dt" sz="half" idx="10"/>
           </p:nvPr>
         </p:nvSpPr>
-        <p:spPr/>
+        <p:spPr>
+          <a:xfrm>
+            <a:off x="457200" y="4767263"/>
+            <a:ext cx="2133600" cy="273844"/>
+          </a:xfrm>
+          <a:prstGeom prst="rect">
+            <a:avLst/>
+          </a:prstGeom>
+        </p:spPr>
         <p:txBody>
           <a:bodyPr/>
           <a:lstStyle/>
@@ -684,7 +749,15 @@
             <p:ph type="ftr" sz="quarter" idx="11"/>
           </p:nvPr>
         </p:nvSpPr>
-        <p:spPr/>
+        <p:spPr>
+          <a:xfrm>
+            <a:off x="3124200" y="4767263"/>
+            <a:ext cx="2895600" cy="273844"/>
+          </a:xfrm>
+          <a:prstGeom prst="rect">
+            <a:avLst/>
+          </a:prstGeom>
+        </p:spPr>
         <p:txBody>
           <a:bodyPr/>
           <a:lstStyle/>
@@ -703,7 +776,15 @@
             <p:ph type="sldNum" sz="quarter" idx="12"/>
           </p:nvPr>
         </p:nvSpPr>
-        <p:spPr/>
+        <p:spPr>
+          <a:xfrm>
+            <a:off x="6553200" y="4767263"/>
+            <a:ext cx="2133600" cy="273844"/>
+          </a:xfrm>
+          <a:prstGeom prst="rect">
+            <a:avLst/>
+          </a:prstGeom>
+        </p:spPr>
         <p:txBody>
           <a:bodyPr/>
           <a:lstStyle/>
@@ -839,7 +920,15 @@
             <p:ph type="dt" sz="half" idx="10"/>
           </p:nvPr>
         </p:nvSpPr>
-        <p:spPr/>
+        <p:spPr>
+          <a:xfrm>
+            <a:off x="457200" y="4767263"/>
+            <a:ext cx="2133600" cy="273844"/>
+          </a:xfrm>
+          <a:prstGeom prst="rect">
+            <a:avLst/>
+          </a:prstGeom>
+        </p:spPr>
         <p:txBody>
           <a:bodyPr/>
           <a:lstStyle/>
@@ -862,7 +951,15 @@
             <p:ph type="ftr" sz="quarter" idx="11"/>
           </p:nvPr>
         </p:nvSpPr>
-        <p:spPr/>
+        <p:spPr>
+          <a:xfrm>
+            <a:off x="3124200" y="4767263"/>
+            <a:ext cx="2895600" cy="273844"/>
+          </a:xfrm>
+          <a:prstGeom prst="rect">
+            <a:avLst/>
+          </a:prstGeom>
+        </p:spPr>
         <p:txBody>
           <a:bodyPr/>
           <a:lstStyle/>
@@ -881,7 +978,15 @@
             <p:ph type="sldNum" sz="quarter" idx="12"/>
           </p:nvPr>
         </p:nvSpPr>
-        <p:spPr/>
+        <p:spPr>
+          <a:xfrm>
+            <a:off x="6553200" y="4767263"/>
+            <a:ext cx="2133600" cy="273844"/>
+          </a:xfrm>
+          <a:prstGeom prst="rect">
+            <a:avLst/>
+          </a:prstGeom>
+        </p:spPr>
         <p:txBody>
           <a:bodyPr/>
           <a:lstStyle/>
@@ -1068,15 +1173,15 @@
         <p:spPr>
           <a:xfrm>
             <a:off x="284309" y="205979"/>
-            <a:ext cx="8552330" cy="857250"/>
-          </a:xfrm>
-        </p:spPr>
-        <p:txBody>
-          <a:bodyPr/>
-          <a:lstStyle/>
-          <a:p>
-            <a:r>
-              <a:rPr lang="en-US"/>
+            <a:ext cx="8552330" cy="662317"/>
+          </a:xfrm>
+        </p:spPr>
+        <p:txBody>
+          <a:bodyPr/>
+          <a:lstStyle/>
+          <a:p>
+            <a:r>
+              <a:rPr lang="en-US" dirty="0"/>
               <a:t>Click to edit Master title style</a:t>
             </a:r>
           </a:p>
@@ -1094,8 +1199,8 @@
         </p:nvSpPr>
         <p:spPr>
           <a:xfrm>
-            <a:off x="284309" y="1200151"/>
-            <a:ext cx="8552330" cy="3737370"/>
+            <a:off x="284309" y="960504"/>
+            <a:ext cx="8552330" cy="3977017"/>
           </a:xfrm>
         </p:spPr>
         <p:txBody>
@@ -1355,7 +1460,15 @@
             <p:ph type="dt" sz="half" idx="10"/>
           </p:nvPr>
         </p:nvSpPr>
-        <p:spPr/>
+        <p:spPr>
+          <a:xfrm>
+            <a:off x="457200" y="4767263"/>
+            <a:ext cx="2133600" cy="273844"/>
+          </a:xfrm>
+          <a:prstGeom prst="rect">
+            <a:avLst/>
+          </a:prstGeom>
+        </p:spPr>
         <p:txBody>
           <a:bodyPr/>
           <a:lstStyle/>
@@ -1378,7 +1491,15 @@
             <p:ph type="ftr" sz="quarter" idx="11"/>
           </p:nvPr>
         </p:nvSpPr>
-        <p:spPr/>
+        <p:spPr>
+          <a:xfrm>
+            <a:off x="3124200" y="4767263"/>
+            <a:ext cx="2895600" cy="273844"/>
+          </a:xfrm>
+          <a:prstGeom prst="rect">
+            <a:avLst/>
+          </a:prstGeom>
+        </p:spPr>
         <p:txBody>
           <a:bodyPr/>
           <a:lstStyle/>
@@ -1397,7 +1518,15 @@
             <p:ph type="sldNum" sz="quarter" idx="12"/>
           </p:nvPr>
         </p:nvSpPr>
-        <p:spPr/>
+        <p:spPr>
+          <a:xfrm>
+            <a:off x="6553200" y="4767263"/>
+            <a:ext cx="2133600" cy="273844"/>
+          </a:xfrm>
+          <a:prstGeom prst="rect">
+            <a:avLst/>
+          </a:prstGeom>
+        </p:spPr>
         <p:txBody>
           <a:bodyPr/>
           <a:lstStyle/>
@@ -1461,7 +1590,7 @@
           <a:lstStyle/>
           <a:p>
             <a:r>
-              <a:rPr lang="en-US"/>
+              <a:rPr lang="en-US" dirty="0"/>
               <a:t>Click to edit Master title style</a:t>
             </a:r>
           </a:p>
@@ -1488,7 +1617,9 @@
           <a:lstStyle>
             <a:lvl1pPr marL="174625" indent="-174625">
               <a:tabLst/>
-              <a:defRPr sz="2800"/>
+              <a:defRPr sz="2800" baseline="0">
+                <a:latin typeface="Lato Medium" panose="020F0502020204030203" pitchFamily="34" charset="0"/>
+              </a:defRPr>
             </a:lvl1pPr>
             <a:lvl2pPr>
               <a:defRPr sz="1800"/>
@@ -1573,7 +1704,9 @@
           <a:lstStyle>
             <a:lvl1pPr marL="174625" indent="-174625">
               <a:tabLst/>
-              <a:defRPr sz="2800"/>
+              <a:defRPr sz="2800" baseline="0">
+                <a:latin typeface="Lato Medium" panose="020F0502020204030203" pitchFamily="34" charset="0"/>
+              </a:defRPr>
             </a:lvl1pPr>
             <a:lvl2pPr>
               <a:defRPr sz="1800"/>
@@ -2001,7 +2134,15 @@
             <p:ph type="dt" sz="half" idx="10"/>
           </p:nvPr>
         </p:nvSpPr>
-        <p:spPr/>
+        <p:spPr>
+          <a:xfrm>
+            <a:off x="457200" y="4767263"/>
+            <a:ext cx="2133600" cy="273844"/>
+          </a:xfrm>
+          <a:prstGeom prst="rect">
+            <a:avLst/>
+          </a:prstGeom>
+        </p:spPr>
         <p:txBody>
           <a:bodyPr/>
           <a:lstStyle/>
@@ -2024,7 +2165,15 @@
             <p:ph type="ftr" sz="quarter" idx="11"/>
           </p:nvPr>
         </p:nvSpPr>
-        <p:spPr/>
+        <p:spPr>
+          <a:xfrm>
+            <a:off x="3124200" y="4767263"/>
+            <a:ext cx="2895600" cy="273844"/>
+          </a:xfrm>
+          <a:prstGeom prst="rect">
+            <a:avLst/>
+          </a:prstGeom>
+        </p:spPr>
         <p:txBody>
           <a:bodyPr/>
           <a:lstStyle/>
@@ -2043,7 +2192,15 @@
             <p:ph type="sldNum" sz="quarter" idx="12"/>
           </p:nvPr>
         </p:nvSpPr>
-        <p:spPr/>
+        <p:spPr>
+          <a:xfrm>
+            <a:off x="6553200" y="4767263"/>
+            <a:ext cx="2133600" cy="273844"/>
+          </a:xfrm>
+          <a:prstGeom prst="rect">
+            <a:avLst/>
+          </a:prstGeom>
+        </p:spPr>
         <p:txBody>
           <a:bodyPr/>
           <a:lstStyle/>
@@ -2099,10 +2256,16 @@
         <p:spPr/>
         <p:txBody>
           <a:bodyPr/>
-          <a:lstStyle/>
-          <a:p>
-            <a:r>
-              <a:rPr lang="en-US"/>
+          <a:lstStyle>
+            <a:lvl1pPr>
+              <a:defRPr baseline="0">
+                <a:latin typeface="Lato Semibold" panose="020F0502020204030203" pitchFamily="34" charset="0"/>
+              </a:defRPr>
+            </a:lvl1pPr>
+          </a:lstStyle>
+          <a:p>
+            <a:r>
+              <a:rPr lang="en-US" dirty="0"/>
               <a:t>Click to edit Master title style</a:t>
             </a:r>
           </a:p>
@@ -2118,7 +2281,15 @@
             <p:ph type="dt" sz="half" idx="10"/>
           </p:nvPr>
         </p:nvSpPr>
-        <p:spPr/>
+        <p:spPr>
+          <a:xfrm>
+            <a:off x="457200" y="4767263"/>
+            <a:ext cx="2133600" cy="273844"/>
+          </a:xfrm>
+          <a:prstGeom prst="rect">
+            <a:avLst/>
+          </a:prstGeom>
+        </p:spPr>
         <p:txBody>
           <a:bodyPr/>
           <a:lstStyle/>
@@ -2141,7 +2312,15 @@
             <p:ph type="ftr" sz="quarter" idx="11"/>
           </p:nvPr>
         </p:nvSpPr>
-        <p:spPr/>
+        <p:spPr>
+          <a:xfrm>
+            <a:off x="3124200" y="4767263"/>
+            <a:ext cx="2895600" cy="273844"/>
+          </a:xfrm>
+          <a:prstGeom prst="rect">
+            <a:avLst/>
+          </a:prstGeom>
+        </p:spPr>
         <p:txBody>
           <a:bodyPr/>
           <a:lstStyle/>
@@ -2160,7 +2339,15 @@
             <p:ph type="sldNum" sz="quarter" idx="12"/>
           </p:nvPr>
         </p:nvSpPr>
-        <p:spPr/>
+        <p:spPr>
+          <a:xfrm>
+            <a:off x="6553200" y="4767263"/>
+            <a:ext cx="2133600" cy="273844"/>
+          </a:xfrm>
+          <a:prstGeom prst="rect">
+            <a:avLst/>
+          </a:prstGeom>
+        </p:spPr>
         <p:txBody>
           <a:bodyPr/>
           <a:lstStyle/>
@@ -2213,7 +2400,15 @@
             <p:ph type="dt" sz="half" idx="10"/>
           </p:nvPr>
         </p:nvSpPr>
-        <p:spPr/>
+        <p:spPr>
+          <a:xfrm>
+            <a:off x="457200" y="4767263"/>
+            <a:ext cx="2133600" cy="273844"/>
+          </a:xfrm>
+          <a:prstGeom prst="rect">
+            <a:avLst/>
+          </a:prstGeom>
+        </p:spPr>
         <p:txBody>
           <a:bodyPr/>
           <a:lstStyle/>
@@ -2236,7 +2431,15 @@
             <p:ph type="ftr" sz="quarter" idx="11"/>
           </p:nvPr>
         </p:nvSpPr>
-        <p:spPr/>
+        <p:spPr>
+          <a:xfrm>
+            <a:off x="3124200" y="4767263"/>
+            <a:ext cx="2895600" cy="273844"/>
+          </a:xfrm>
+          <a:prstGeom prst="rect">
+            <a:avLst/>
+          </a:prstGeom>
+        </p:spPr>
         <p:txBody>
           <a:bodyPr/>
           <a:lstStyle/>
@@ -2255,7 +2458,15 @@
             <p:ph type="sldNum" sz="quarter" idx="12"/>
           </p:nvPr>
         </p:nvSpPr>
-        <p:spPr/>
+        <p:spPr>
+          <a:xfrm>
+            <a:off x="6553200" y="4767263"/>
+            <a:ext cx="2133600" cy="273844"/>
+          </a:xfrm>
+          <a:prstGeom prst="rect">
+            <a:avLst/>
+          </a:prstGeom>
+        </p:spPr>
         <p:txBody>
           <a:bodyPr/>
           <a:lstStyle/>
@@ -2488,7 +2699,15 @@
             <p:ph type="dt" sz="half" idx="10"/>
           </p:nvPr>
         </p:nvSpPr>
-        <p:spPr/>
+        <p:spPr>
+          <a:xfrm>
+            <a:off x="457200" y="4767263"/>
+            <a:ext cx="2133600" cy="273844"/>
+          </a:xfrm>
+          <a:prstGeom prst="rect">
+            <a:avLst/>
+          </a:prstGeom>
+        </p:spPr>
         <p:txBody>
           <a:bodyPr/>
           <a:lstStyle/>
@@ -2511,7 +2730,15 @@
             <p:ph type="ftr" sz="quarter" idx="11"/>
           </p:nvPr>
         </p:nvSpPr>
-        <p:spPr/>
+        <p:spPr>
+          <a:xfrm>
+            <a:off x="3124200" y="4767263"/>
+            <a:ext cx="2895600" cy="273844"/>
+          </a:xfrm>
+          <a:prstGeom prst="rect">
+            <a:avLst/>
+          </a:prstGeom>
+        </p:spPr>
         <p:txBody>
           <a:bodyPr/>
           <a:lstStyle/>
@@ -2530,7 +2757,15 @@
             <p:ph type="sldNum" sz="quarter" idx="12"/>
           </p:nvPr>
         </p:nvSpPr>
-        <p:spPr/>
+        <p:spPr>
+          <a:xfrm>
+            <a:off x="6553200" y="4767263"/>
+            <a:ext cx="2133600" cy="273844"/>
+          </a:xfrm>
+          <a:prstGeom prst="rect">
+            <a:avLst/>
+          </a:prstGeom>
+        </p:spPr>
         <p:txBody>
           <a:bodyPr/>
           <a:lstStyle/>
@@ -2740,7 +2975,15 @@
             <p:ph type="dt" sz="half" idx="10"/>
           </p:nvPr>
         </p:nvSpPr>
-        <p:spPr/>
+        <p:spPr>
+          <a:xfrm>
+            <a:off x="457200" y="4767263"/>
+            <a:ext cx="2133600" cy="273844"/>
+          </a:xfrm>
+          <a:prstGeom prst="rect">
+            <a:avLst/>
+          </a:prstGeom>
+        </p:spPr>
         <p:txBody>
           <a:bodyPr/>
           <a:lstStyle/>
@@ -2763,7 +3006,15 @@
             <p:ph type="ftr" sz="quarter" idx="11"/>
           </p:nvPr>
         </p:nvSpPr>
-        <p:spPr/>
+        <p:spPr>
+          <a:xfrm>
+            <a:off x="3124200" y="4767263"/>
+            <a:ext cx="2895600" cy="273844"/>
+          </a:xfrm>
+          <a:prstGeom prst="rect">
+            <a:avLst/>
+          </a:prstGeom>
+        </p:spPr>
         <p:txBody>
           <a:bodyPr/>
           <a:lstStyle/>
@@ -2782,7 +3033,15 @@
             <p:ph type="sldNum" sz="quarter" idx="12"/>
           </p:nvPr>
         </p:nvSpPr>
-        <p:spPr/>
+        <p:spPr>
+          <a:xfrm>
+            <a:off x="6553200" y="4767263"/>
+            <a:ext cx="2133600" cy="273844"/>
+          </a:xfrm>
+          <a:prstGeom prst="rect">
+            <a:avLst/>
+          </a:prstGeom>
+        </p:spPr>
         <p:txBody>
           <a:bodyPr/>
           <a:lstStyle/>
@@ -2843,7 +3102,7 @@
         <p:spPr>
           <a:xfrm>
             <a:off x="457200" y="205979"/>
-            <a:ext cx="8229600" cy="857250"/>
+            <a:ext cx="8229600" cy="716105"/>
           </a:xfrm>
           <a:prstGeom prst="rect">
             <a:avLst/>
@@ -2856,7 +3115,7 @@
           <a:lstStyle/>
           <a:p>
             <a:r>
-              <a:rPr lang="en-US"/>
+              <a:rPr dirty="0" lang="en-US"/>
               <a:t>Click to edit Master title style</a:t>
             </a:r>
           </a:p>
@@ -2874,8 +3133,8 @@
         </p:nvSpPr>
         <p:spPr>
           <a:xfrm>
-            <a:off x="457200" y="1200151"/>
-            <a:ext cx="8229600" cy="3394472"/>
+            <a:off x="457200" y="998924"/>
+            <a:ext cx="8229600" cy="3938597"/>
           </a:xfrm>
           <a:prstGeom prst="rect">
             <a:avLst/>
@@ -2889,156 +3148,37 @@
           <a:p>
             <a:pPr lvl="0"/>
             <a:r>
-              <a:rPr lang="en-US"/>
+              <a:rPr dirty="0" lang="en-US"/>
               <a:t>Click to edit Master text styles</a:t>
             </a:r>
           </a:p>
           <a:p>
             <a:pPr lvl="1"/>
             <a:r>
-              <a:rPr lang="en-US"/>
+              <a:rPr dirty="0" lang="en-US"/>
               <a:t>Second level</a:t>
             </a:r>
           </a:p>
           <a:p>
             <a:pPr lvl="2"/>
             <a:r>
-              <a:rPr lang="en-US"/>
+              <a:rPr dirty="0" lang="en-US"/>
               <a:t>Third level</a:t>
             </a:r>
           </a:p>
           <a:p>
             <a:pPr lvl="3"/>
             <a:r>
-              <a:rPr lang="en-US"/>
+              <a:rPr dirty="0" lang="en-US"/>
               <a:t>Fourth level</a:t>
             </a:r>
           </a:p>
           <a:p>
             <a:pPr lvl="4"/>
             <a:r>
-              <a:rPr lang="en-US"/>
+              <a:rPr dirty="0" lang="en-US"/>
               <a:t>Fifth level</a:t>
             </a:r>
-          </a:p>
-        </p:txBody>
-      </p:sp>
-      <p:sp>
-        <p:nvSpPr>
-          <p:cNvPr id="4" name="Date Placeholder 3"/>
-          <p:cNvSpPr>
-            <a:spLocks noGrp="1"/>
-          </p:cNvSpPr>
-          <p:nvPr>
-            <p:ph idx="2" sz="half" type="dt"/>
-          </p:nvPr>
-        </p:nvSpPr>
-        <p:spPr>
-          <a:xfrm>
-            <a:off x="457200" y="4767263"/>
-            <a:ext cx="2133600" cy="273844"/>
-          </a:xfrm>
-          <a:prstGeom prst="rect">
-            <a:avLst/>
-          </a:prstGeom>
-        </p:spPr>
-        <p:txBody>
-          <a:bodyPr anchor="ctr" bIns="45720" lIns="91440" rIns="91440" rtlCol="0" tIns="45720" vert="horz"/>
-          <a:lstStyle>
-            <a:lvl1pPr algn="l">
-              <a:defRPr sz="900">
-                <a:solidFill>
-                  <a:schemeClr val="tx1">
-                    <a:tint val="75000"/>
-                  </a:schemeClr>
-                </a:solidFill>
-              </a:defRPr>
-            </a:lvl1pPr>
-          </a:lstStyle>
-          <a:p>
-            <a:fld id="{241EB5C9-1307-BA42-ABA2-0BC069CD8E7F}" type="datetimeFigureOut">
-              <a:rPr lang="en-US" smtClean="0"/>
-              <a:t>1/11/25</a:t>
-            </a:fld>
-            <a:endParaRPr lang="en-US"/>
-          </a:p>
-        </p:txBody>
-      </p:sp>
-      <p:sp>
-        <p:nvSpPr>
-          <p:cNvPr id="5" name="Footer Placeholder 4"/>
-          <p:cNvSpPr>
-            <a:spLocks noGrp="1"/>
-          </p:cNvSpPr>
-          <p:nvPr>
-            <p:ph idx="3" sz="quarter" type="ftr"/>
-          </p:nvPr>
-        </p:nvSpPr>
-        <p:spPr>
-          <a:xfrm>
-            <a:off x="3124200" y="4767263"/>
-            <a:ext cx="2895600" cy="273844"/>
-          </a:xfrm>
-          <a:prstGeom prst="rect">
-            <a:avLst/>
-          </a:prstGeom>
-        </p:spPr>
-        <p:txBody>
-          <a:bodyPr anchor="ctr" bIns="45720" lIns="91440" rIns="91440" rtlCol="0" tIns="45720" vert="horz"/>
-          <a:lstStyle>
-            <a:lvl1pPr algn="ctr">
-              <a:defRPr sz="900">
-                <a:solidFill>
-                  <a:schemeClr val="tx1">
-                    <a:tint val="75000"/>
-                  </a:schemeClr>
-                </a:solidFill>
-              </a:defRPr>
-            </a:lvl1pPr>
-          </a:lstStyle>
-          <a:p>
-            <a:endParaRPr lang="en-US"/>
-          </a:p>
-        </p:txBody>
-      </p:sp>
-      <p:sp>
-        <p:nvSpPr>
-          <p:cNvPr id="6" name="Slide Number Placeholder 5"/>
-          <p:cNvSpPr>
-            <a:spLocks noGrp="1"/>
-          </p:cNvSpPr>
-          <p:nvPr>
-            <p:ph idx="4" sz="quarter" type="sldNum"/>
-          </p:nvPr>
-        </p:nvSpPr>
-        <p:spPr>
-          <a:xfrm>
-            <a:off x="6553200" y="4767263"/>
-            <a:ext cx="2133600" cy="273844"/>
-          </a:xfrm>
-          <a:prstGeom prst="rect">
-            <a:avLst/>
-          </a:prstGeom>
-        </p:spPr>
-        <p:txBody>
-          <a:bodyPr anchor="ctr" bIns="45720" lIns="91440" rIns="91440" rtlCol="0" tIns="45720" vert="horz"/>
-          <a:lstStyle>
-            <a:lvl1pPr algn="r">
-              <a:defRPr sz="900">
-                <a:solidFill>
-                  <a:schemeClr val="tx1">
-                    <a:tint val="75000"/>
-                  </a:schemeClr>
-                </a:solidFill>
-              </a:defRPr>
-            </a:lvl1pPr>
-          </a:lstStyle>
-          <a:p>
-            <a:fld id="{C5EF2332-01BF-834F-8236-50238282D533}" type="slidenum">
-              <a:rPr lang="en-US" smtClean="0"/>
-              <a:t>‹#›</a:t>
-            </a:fld>
-            <a:endParaRPr lang="en-US"/>
           </a:p>
         </p:txBody>
       </p:sp>
@@ -3071,11 +3211,11 @@
           <a:spcPct val="0"/>
         </a:spcBef>
         <a:buNone/>
-        <a:defRPr kern="1200" sz="3300">
+        <a:defRPr baseline="0" kern="1200" sz="3300">
           <a:solidFill>
             <a:schemeClr val="tx1"/>
           </a:solidFill>
-          <a:latin typeface="+mj-lt"/>
+          <a:latin charset="0" panose="020F0502020204030203" pitchFamily="34" typeface="Lato Semibold"/>
           <a:ea typeface="+mj-ea"/>
           <a:cs typeface="+mj-cs"/>
         </a:defRPr>
@@ -3088,11 +3228,11 @@
         </a:spcBef>
         <a:buFont typeface="Arial"/>
         <a:buChar char="•"/>
-        <a:defRPr kern="1200" sz="2400">
+        <a:defRPr baseline="0" kern="1200" sz="2400">
           <a:solidFill>
             <a:schemeClr val="tx1"/>
           </a:solidFill>
-          <a:latin typeface="+mn-lt"/>
+          <a:latin charset="0" panose="020F0502020204030203" pitchFamily="34" typeface="Lato Medium"/>
           <a:ea typeface="+mn-ea"/>
           <a:cs typeface="+mn-cs"/>
         </a:defRPr>
@@ -3103,11 +3243,11 @@
         </a:spcBef>
         <a:buFont typeface="Arial"/>
         <a:buChar char="–"/>
-        <a:defRPr kern="1200" sz="2100">
+        <a:defRPr baseline="0" kern="1200" sz="2100">
           <a:solidFill>
             <a:schemeClr val="tx1"/>
           </a:solidFill>
-          <a:latin typeface="+mn-lt"/>
+          <a:latin charset="0" panose="020F0502020204030203" pitchFamily="34" typeface="Lato Medium"/>
           <a:ea typeface="+mn-ea"/>
           <a:cs typeface="+mn-cs"/>
         </a:defRPr>
@@ -3591,9 +3731,19 @@
               <a:buNone/>
             </a:pPr>
             <a:br/>
-            <a:r>
-              <a:rPr/>
-              <a:t>- Located near the top of the stomach - Challenging area for surgery</a:t>
+          </a:p>
+          <a:p>
+            <a:pPr lvl="0"/>
+            <a:r>
+              <a:rPr/>
+              <a:t>Located near the top of the stomach</a:t>
+            </a:r>
+          </a:p>
+          <a:p>
+            <a:pPr lvl="0"/>
+            <a:r>
+              <a:rPr/>
+              <a:t>Challenging area for surgery</a:t>
             </a:r>
           </a:p>
         </p:txBody>
@@ -3699,9 +3849,26 @@
               <a:buNone/>
             </a:pPr>
             <a:br/>
-            <a:r>
-              <a:rPr/>
-              <a:t>- Removes all of the stomach - Reconstruction with small intestine - Needed for those with CDH1 mutations</a:t>
+          </a:p>
+          <a:p>
+            <a:pPr lvl="0"/>
+            <a:r>
+              <a:rPr/>
+              <a:t>Removes all of the stomach</a:t>
+            </a:r>
+          </a:p>
+          <a:p>
+            <a:pPr lvl="0"/>
+            <a:r>
+              <a:rPr/>
+              <a:t>Reconstruction with small intestine</a:t>
+            </a:r>
+          </a:p>
+          <a:p>
+            <a:pPr lvl="0"/>
+            <a:r>
+              <a:rPr/>
+              <a:t>Needed for those with CDH1 mutations</a:t>
             </a:r>
           </a:p>
         </p:txBody>
@@ -3895,7 +4062,7 @@
             </a:pPr>
             <a:r>
               <a:rPr/>
-              <a:t>Dual Tract Gastrectomy</a:t>
+              <a:t>Esophagogastrectomy</a:t>
             </a:r>
           </a:p>
         </p:txBody>
@@ -3919,23 +4086,33 @@
               <a:buNone/>
             </a:pPr>
             <a:br/>
-            <a:r>
-              <a:rPr/>
-              <a:t>Alternative surgical approach for small tumors near the top of the stomach</a:t>
-            </a:r>
           </a:p>
           <a:p>
             <a:pPr lvl="0"/>
             <a:r>
               <a:rPr/>
-              <a:t>Preserves the bottom of the stomach as a reservoir</a:t>
+              <a:t>Removes top part of stomach</a:t>
+            </a:r>
+          </a:p>
+          <a:p>
+            <a:pPr lvl="0"/>
+            <a:r>
+              <a:rPr/>
+              <a:t>Remove bottom half of esophagus</a:t>
+            </a:r>
+          </a:p>
+          <a:p>
+            <a:pPr lvl="0"/>
+            <a:r>
+              <a:rPr/>
+              <a:t>Surgery in both abdomen and chest</a:t>
             </a:r>
           </a:p>
         </p:txBody>
       </p:sp>
       <p:pic>
         <p:nvPicPr>
-          <p:cNvPr descr="https://deidt7p41jzcy.cloudfront.net/gast_dualtract.png" id="0" name="Picture 1"/>
+          <p:cNvPr descr="https://deidt7p41jzcy.cloudfront.net/MIE_IvorLewisArtboard.png" id="0" name="Picture 1"/>
           <p:cNvPicPr>
             <a:picLocks noGrp="1" noChangeAspect="1"/>
           </p:cNvPicPr>
@@ -3949,8 +4126,8 @@
         </p:blipFill>
         <p:spPr bwMode="auto">
           <a:xfrm>
-            <a:off x="5283200" y="1193800"/>
-            <a:ext cx="2882900" cy="3733800"/>
+            <a:off x="4914900" y="1193800"/>
+            <a:ext cx="3632200" cy="3733800"/>
           </a:xfrm>
           <a:prstGeom prst="rect">
             <a:avLst/>
@@ -4015,36 +4192,39 @@
           </a:p>
         </p:txBody>
       </p:sp>
-      <p:pic>
-        <p:nvPicPr>
-          <p:cNvPr descr="https://deidt7p41jzcy.cloudfront.net/gast_proximal_tumor.png" id="0" name="Picture 1"/>
-          <p:cNvPicPr>
-            <a:picLocks noGrp="1" noChangeAspect="1"/>
-          </p:cNvPicPr>
-          <p:nvPr/>
-        </p:nvPicPr>
-        <p:blipFill>
-          <a:blip r:embed="rId2"/>
-          <a:stretch>
-            <a:fillRect/>
-          </a:stretch>
-        </p:blipFill>
-        <p:spPr bwMode="auto">
-          <a:xfrm>
-            <a:off x="952500" y="1193800"/>
-            <a:ext cx="2882900" cy="3733800"/>
-          </a:xfrm>
-          <a:prstGeom prst="rect">
-            <a:avLst/>
-          </a:prstGeom>
-          <a:noFill/>
-          <a:ln w="9525">
-            <a:noFill/>
-            <a:headEnd/>
-            <a:tailEnd/>
-          </a:ln>
-        </p:spPr>
-      </p:pic>
+      <p:sp>
+        <p:nvSpPr>
+          <p:cNvPr id="3" name="Content Placeholder 2"/>
+          <p:cNvSpPr>
+            <a:spLocks noGrp="1"/>
+          </p:cNvSpPr>
+          <p:nvPr>
+            <p:ph idx="1" sz="half"/>
+          </p:nvPr>
+        </p:nvSpPr>
+        <p:spPr/>
+        <p:txBody>
+          <a:bodyPr/>
+          <a:lstStyle/>
+          <a:p>
+            <a:pPr lvl="0" indent="0" marL="0">
+              <a:buNone/>
+            </a:pPr>
+            <a:br/>
+            <a:r>
+              <a:rPr/>
+              <a:t>Alternative surgical approach for small tumors near the top of the stomach</a:t>
+            </a:r>
+          </a:p>
+          <a:p>
+            <a:pPr lvl="0"/>
+            <a:r>
+              <a:rPr/>
+              <a:t>Preserves the bottom of the stomach as a reservoir</a:t>
+            </a:r>
+          </a:p>
+        </p:txBody>
+      </p:sp>
       <p:pic>
         <p:nvPicPr>
           <p:cNvPr descr="https://deidt7p41jzcy.cloudfront.net/gast_dualtract.png" id="0" name="Picture 1"/>
@@ -4054,7 +4234,7 @@
           <p:nvPr/>
         </p:nvPicPr>
         <p:blipFill>
-          <a:blip r:embed="rId3"/>
+          <a:blip r:embed="rId2"/>
           <a:stretch>
             <a:fillRect/>
           </a:stretch>
@@ -4109,8 +4289,8 @@
         </p:nvSpPr>
         <p:spPr>
           <a:xfrm>
-            <a:off x="284309" y="205979"/>
-            <a:ext cx="8552330" cy="857250"/>
+            <a:off x="315045" y="205979"/>
+            <a:ext cx="8529278" cy="857250"/>
           </a:xfrm>
         </p:spPr>
         <p:txBody>
@@ -4122,55 +4302,71 @@
             </a:pPr>
             <a:r>
               <a:rPr/>
-              <a:t>Risks of Surgery</a:t>
-            </a:r>
-          </a:p>
-        </p:txBody>
-      </p:sp>
-      <p:sp>
-        <p:nvSpPr>
-          <p:cNvPr id="3" name="Content Placeholder 2"/>
-          <p:cNvSpPr>
-            <a:spLocks noGrp="1"/>
-          </p:cNvSpPr>
-          <p:nvPr>
-            <p:ph idx="1"/>
-          </p:nvPr>
-        </p:nvSpPr>
-        <p:spPr/>
-        <p:txBody>
-          <a:bodyPr/>
-          <a:lstStyle/>
-          <a:p>
-            <a:pPr lvl="0"/>
-            <a:r>
-              <a:rPr/>
-              <a:t>Leak where bowel is joined together (anastomosis)</a:t>
-            </a:r>
-          </a:p>
-          <a:p>
-            <a:pPr lvl="0"/>
-            <a:r>
-              <a:rPr/>
-              <a:t>Bleeding requiring reoperation</a:t>
-            </a:r>
-          </a:p>
-          <a:p>
-            <a:pPr lvl="0"/>
-            <a:r>
-              <a:rPr/>
-              <a:t>Delayed stomach function</a:t>
-            </a:r>
-          </a:p>
-          <a:p>
-            <a:pPr lvl="0"/>
-            <a:r>
-              <a:rPr/>
-              <a:t>Infection in the abdomen</a:t>
-            </a:r>
-          </a:p>
-        </p:txBody>
-      </p:sp>
+              <a:t>Dual Tract Gastrectomy</a:t>
+            </a:r>
+          </a:p>
+        </p:txBody>
+      </p:sp>
+      <p:pic>
+        <p:nvPicPr>
+          <p:cNvPr descr="https://deidt7p41jzcy.cloudfront.net/gast_proximal_tumor.png" id="0" name="Picture 1"/>
+          <p:cNvPicPr>
+            <a:picLocks noGrp="1" noChangeAspect="1"/>
+          </p:cNvPicPr>
+          <p:nvPr/>
+        </p:nvPicPr>
+        <p:blipFill>
+          <a:blip r:embed="rId2"/>
+          <a:stretch>
+            <a:fillRect/>
+          </a:stretch>
+        </p:blipFill>
+        <p:spPr bwMode="auto">
+          <a:xfrm>
+            <a:off x="952500" y="1193800"/>
+            <a:ext cx="2882900" cy="3733800"/>
+          </a:xfrm>
+          <a:prstGeom prst="rect">
+            <a:avLst/>
+          </a:prstGeom>
+          <a:noFill/>
+          <a:ln w="9525">
+            <a:noFill/>
+            <a:headEnd/>
+            <a:tailEnd/>
+          </a:ln>
+        </p:spPr>
+      </p:pic>
+      <p:pic>
+        <p:nvPicPr>
+          <p:cNvPr descr="https://deidt7p41jzcy.cloudfront.net/gast_dualtract.png" id="0" name="Picture 1"/>
+          <p:cNvPicPr>
+            <a:picLocks noGrp="1" noChangeAspect="1"/>
+          </p:cNvPicPr>
+          <p:nvPr/>
+        </p:nvPicPr>
+        <p:blipFill>
+          <a:blip r:embed="rId3"/>
+          <a:stretch>
+            <a:fillRect/>
+          </a:stretch>
+        </p:blipFill>
+        <p:spPr bwMode="auto">
+          <a:xfrm>
+            <a:off x="5283200" y="1193800"/>
+            <a:ext cx="2882900" cy="3733800"/>
+          </a:xfrm>
+          <a:prstGeom prst="rect">
+            <a:avLst/>
+          </a:prstGeom>
+          <a:noFill/>
+          <a:ln w="9525">
+            <a:noFill/>
+            <a:headEnd/>
+            <a:tailEnd/>
+          </a:ln>
+        </p:spPr>
+      </p:pic>
     </p:spTree>
   </p:cSld>
 </p:sld>
@@ -4357,18 +4553,16 @@
           <a:bodyPr/>
           <a:lstStyle/>
           <a:p>
-            <a:pPr lvl="0" indent="0" marL="0">
-              <a:buNone/>
-            </a:pPr>
-            <a:r>
-              <a:rPr/>
-              <a:t>A laparoscopy is performed under a general anesthetic.</a:t>
-            </a:r>
-          </a:p>
-          <a:p>
             <a:pPr lvl="0"/>
             <a:r>
               <a:rPr/>
+              <a:t>General anesthetic</a:t>
+            </a:r>
+          </a:p>
+          <a:p>
+            <a:pPr lvl="0"/>
+            <a:r>
+              <a:rPr/>
               <a:t>Several incisions 1/4” long</a:t>
             </a:r>
           </a:p>
@@ -4376,7 +4570,7 @@
             <a:pPr lvl="0"/>
             <a:r>
               <a:rPr/>
-              <a:t>A telescope is inserted to look inside the abdominal cavity.</a:t>
+              <a:t>A telescope is used to examine the abdomen</a:t>
             </a:r>
           </a:p>
           <a:p>
@@ -4453,7 +4647,7 @@
         <p:spPr>
           <a:xfrm>
             <a:off x="284309" y="205979"/>
-            <a:ext cx="8552330" cy="857250"/>
+            <a:ext cx="8552330" cy="662317"/>
           </a:xfrm>
         </p:spPr>
         <p:txBody>
@@ -4465,7 +4659,51 @@
             </a:pPr>
             <a:r>
               <a:rPr/>
-              <a:t>Exercise</a:t>
+              <a:t>Risks of Surgery</a:t>
+            </a:r>
+          </a:p>
+        </p:txBody>
+      </p:sp>
+      <p:sp>
+        <p:nvSpPr>
+          <p:cNvPr id="3" name="Content Placeholder 2"/>
+          <p:cNvSpPr>
+            <a:spLocks noGrp="1"/>
+          </p:cNvSpPr>
+          <p:nvPr>
+            <p:ph idx="1"/>
+          </p:nvPr>
+        </p:nvSpPr>
+        <p:spPr/>
+        <p:txBody>
+          <a:bodyPr/>
+          <a:lstStyle/>
+          <a:p>
+            <a:pPr lvl="0"/>
+            <a:r>
+              <a:rPr/>
+              <a:t>Leak where bowel is joined together (anastomosis)</a:t>
+            </a:r>
+          </a:p>
+          <a:p>
+            <a:pPr lvl="0"/>
+            <a:r>
+              <a:rPr/>
+              <a:t>Bleeding requiring reoperation</a:t>
+            </a:r>
+          </a:p>
+          <a:p>
+            <a:pPr lvl="0"/>
+            <a:r>
+              <a:rPr/>
+              <a:t>Delayed stomach function</a:t>
+            </a:r>
+          </a:p>
+          <a:p>
+            <a:pPr lvl="0"/>
+            <a:r>
+              <a:rPr/>
+              <a:t>Infection in the abdomen</a:t>
             </a:r>
           </a:p>
         </p:txBody>
@@ -4505,7 +4743,7 @@
         <p:spPr>
           <a:xfrm>
             <a:off x="284309" y="205979"/>
-            <a:ext cx="8552330" cy="857250"/>
+            <a:ext cx="8552330" cy="662317"/>
           </a:xfrm>
         </p:spPr>
         <p:txBody>
@@ -4619,7 +4857,7 @@
         <p:spPr>
           <a:xfrm>
             <a:off x="284309" y="205979"/>
-            <a:ext cx="8552330" cy="857250"/>
+            <a:ext cx="8552330" cy="662317"/>
           </a:xfrm>
         </p:spPr>
         <p:txBody>
@@ -4631,7 +4869,51 @@
             </a:pPr>
             <a:r>
               <a:rPr/>
-              <a:t>Smoking</a:t>
+              <a:t>Preparing for Cancer Treatment</a:t>
+            </a:r>
+          </a:p>
+        </p:txBody>
+      </p:sp>
+      <p:sp>
+        <p:nvSpPr>
+          <p:cNvPr id="3" name="Content Placeholder 2"/>
+          <p:cNvSpPr>
+            <a:spLocks noGrp="1"/>
+          </p:cNvSpPr>
+          <p:nvPr>
+            <p:ph idx="1"/>
+          </p:nvPr>
+        </p:nvSpPr>
+        <p:spPr/>
+        <p:txBody>
+          <a:bodyPr/>
+          <a:lstStyle/>
+          <a:p>
+            <a:pPr lvl="0"/>
+            <a:r>
+              <a:rPr/>
+              <a:t>Primary Care Physician</a:t>
+            </a:r>
+          </a:p>
+          <a:p>
+            <a:pPr lvl="0"/>
+            <a:r>
+              <a:rPr/>
+              <a:t>MyAtrium Portal</a:t>
+            </a:r>
+          </a:p>
+          <a:p>
+            <a:pPr lvl="0"/>
+            <a:r>
+              <a:rPr/>
+              <a:t>Exercise</a:t>
+            </a:r>
+          </a:p>
+          <a:p>
+            <a:pPr lvl="0"/>
+            <a:r>
+              <a:rPr/>
+              <a:t>Smoking Cessation</a:t>
             </a:r>
           </a:p>
         </p:txBody>
@@ -4671,7 +4953,7 @@
         <p:spPr>
           <a:xfrm>
             <a:off x="284309" y="205979"/>
-            <a:ext cx="8552330" cy="857250"/>
+            <a:ext cx="8552330" cy="662317"/>
           </a:xfrm>
         </p:spPr>
         <p:txBody>
@@ -4683,7 +4965,7 @@
             </a:pPr>
             <a:r>
               <a:rPr/>
-              <a:t>Other Presentations</a:t>
+              <a:t>Primary Care Practitioner (PCP)</a:t>
             </a:r>
           </a:p>
         </p:txBody>
@@ -4707,10 +4989,8 @@
               <a:buNone/>
             </a:pPr>
             <a:r>
-              <a:rPr>
-                <a:hlinkClick r:id="rId2"/>
-              </a:rPr>
-              <a:t>Nutrition Slideshow</a:t>
+              <a:rPr/>
+              <a:t>A PCP is critical to coordinate care between specialists.</a:t>
             </a:r>
           </a:p>
           <a:p>
@@ -4718,10 +4998,320 @@
               <a:buNone/>
             </a:pPr>
             <a:r>
-              <a:rPr>
-                <a:hlinkClick r:id="rId3"/>
-              </a:rPr>
-              <a:t>Gastrectomy Slideshow</a:t>
+              <a:rPr/>
+              <a:t>We will update your PCP after each visit</a:t>
+            </a:r>
+          </a:p>
+          <a:p>
+            <a:pPr lvl="0" indent="0" marL="0">
+              <a:buNone/>
+            </a:pPr>
+            <a:r>
+              <a:rPr/>
+              <a:t>Call our referral line at (844) 235-6998 if you need a PCP</a:t>
+            </a:r>
+          </a:p>
+        </p:txBody>
+      </p:sp>
+    </p:spTree>
+  </p:cSld>
+</p:sld>
+</file>
+
+<file path=ppt/slides/slide22.xml><?xml version="1.0" encoding="utf-8"?>
+<p:sld xmlns:a="http://schemas.openxmlformats.org/drawingml/2006/main" xmlns:r="http://schemas.openxmlformats.org/officeDocument/2006/relationships" xmlns:p="http://schemas.openxmlformats.org/presentationml/2006/main">
+  <p:cSld>
+    <p:spTree>
+      <p:nvGrpSpPr>
+        <p:cNvPr id="1" name=""/>
+        <p:cNvGrpSpPr/>
+        <p:nvPr/>
+      </p:nvGrpSpPr>
+      <p:grpSpPr>
+        <a:xfrm>
+          <a:off x="0" y="0"/>
+          <a:ext cx="0" cy="0"/>
+          <a:chOff x="0" y="0"/>
+          <a:chExt cx="0" cy="0"/>
+        </a:xfrm>
+      </p:grpSpPr>
+      <p:sp>
+        <p:nvSpPr>
+          <p:cNvPr id="2" name="Title 1"/>
+          <p:cNvSpPr>
+            <a:spLocks noGrp="1"/>
+          </p:cNvSpPr>
+          <p:nvPr>
+            <p:ph type="title"/>
+          </p:nvPr>
+        </p:nvSpPr>
+        <p:spPr>
+          <a:xfrm>
+            <a:off x="284309" y="205979"/>
+            <a:ext cx="8552330" cy="662317"/>
+          </a:xfrm>
+        </p:spPr>
+        <p:txBody>
+          <a:bodyPr/>
+          <a:lstStyle/>
+          <a:p>
+            <a:pPr lvl="0" indent="0" marL="0">
+              <a:buNone/>
+            </a:pPr>
+            <a:r>
+              <a:rPr/>
+              <a:t>My Atrium Patient Portal</a:t>
+            </a:r>
+            <a:br/>
+          </a:p>
+        </p:txBody>
+      </p:sp>
+      <p:sp>
+        <p:nvSpPr>
+          <p:cNvPr id="3" name="Content Placeholder 2"/>
+          <p:cNvSpPr>
+            <a:spLocks noGrp="1"/>
+          </p:cNvSpPr>
+          <p:nvPr>
+            <p:ph idx="1"/>
+          </p:nvPr>
+        </p:nvSpPr>
+        <p:spPr/>
+        <p:txBody>
+          <a:bodyPr/>
+          <a:lstStyle/>
+          <a:p>
+            <a:pPr lvl="0"/>
+            <a:r>
+              <a:rPr/>
+              <a:t>Critical to good communication with your care team</a:t>
+            </a:r>
+          </a:p>
+          <a:p>
+            <a:pPr lvl="0"/>
+            <a:r>
+              <a:rPr/>
+              <a:t>Available for desktop or laptop or phone</a:t>
+            </a:r>
+          </a:p>
+          <a:p>
+            <a:pPr lvl="0"/>
+            <a:r>
+              <a:rPr/>
+              <a:t>Sign up at my.atriumhealth.org</a:t>
+            </a:r>
+          </a:p>
+        </p:txBody>
+      </p:sp>
+    </p:spTree>
+  </p:cSld>
+</p:sld>
+</file>
+
+<file path=ppt/slides/slide23.xml><?xml version="1.0" encoding="utf-8"?>
+<p:sld xmlns:a="http://schemas.openxmlformats.org/drawingml/2006/main" xmlns:r="http://schemas.openxmlformats.org/officeDocument/2006/relationships" xmlns:p="http://schemas.openxmlformats.org/presentationml/2006/main">
+  <p:cSld>
+    <p:spTree>
+      <p:nvGrpSpPr>
+        <p:cNvPr id="1" name=""/>
+        <p:cNvGrpSpPr/>
+        <p:nvPr/>
+      </p:nvGrpSpPr>
+      <p:grpSpPr>
+        <a:xfrm>
+          <a:off x="0" y="0"/>
+          <a:ext cx="0" cy="0"/>
+          <a:chOff x="0" y="0"/>
+          <a:chExt cx="0" cy="0"/>
+        </a:xfrm>
+      </p:grpSpPr>
+      <p:sp>
+        <p:nvSpPr>
+          <p:cNvPr id="2" name="Title 1"/>
+          <p:cNvSpPr>
+            <a:spLocks noGrp="1"/>
+          </p:cNvSpPr>
+          <p:nvPr>
+            <p:ph type="title"/>
+          </p:nvPr>
+        </p:nvSpPr>
+        <p:spPr>
+          <a:xfrm>
+            <a:off x="284309" y="205979"/>
+            <a:ext cx="8552330" cy="662317"/>
+          </a:xfrm>
+        </p:spPr>
+        <p:txBody>
+          <a:bodyPr/>
+          <a:lstStyle/>
+          <a:p>
+            <a:pPr lvl="0" indent="0" marL="0">
+              <a:buNone/>
+            </a:pPr>
+            <a:r>
+              <a:rPr/>
+              <a:t>Exercise</a:t>
+            </a:r>
+          </a:p>
+        </p:txBody>
+      </p:sp>
+      <p:sp>
+        <p:nvSpPr>
+          <p:cNvPr id="3" name="Content Placeholder 2"/>
+          <p:cNvSpPr>
+            <a:spLocks noGrp="1"/>
+          </p:cNvSpPr>
+          <p:nvPr>
+            <p:ph idx="1"/>
+          </p:nvPr>
+        </p:nvSpPr>
+        <p:spPr/>
+        <p:txBody>
+          <a:bodyPr/>
+          <a:lstStyle/>
+          <a:p>
+            <a:pPr lvl="0"/>
+            <a:r>
+              <a:rPr/>
+              <a:t>Reduces risk of complications from treatment</a:t>
+            </a:r>
+          </a:p>
+          <a:p>
+            <a:pPr lvl="0"/>
+            <a:r>
+              <a:rPr/>
+              <a:t>Goal is 30min/day of vigorous exercise 6 days/week</a:t>
+            </a:r>
+          </a:p>
+          <a:p>
+            <a:pPr lvl="1"/>
+            <a:r>
+              <a:rPr/>
+              <a:t>Working hard enough that you can’t converse</a:t>
+            </a:r>
+          </a:p>
+          <a:p>
+            <a:pPr lvl="1"/>
+            <a:r>
+              <a:rPr/>
+              <a:t>Start slowly and build up</a:t>
+            </a:r>
+          </a:p>
+          <a:p>
+            <a:pPr lvl="1"/>
+            <a:r>
+              <a:rPr/>
+              <a:t>Every day counts! (Aim for some activity every day)</a:t>
+            </a:r>
+          </a:p>
+        </p:txBody>
+      </p:sp>
+    </p:spTree>
+  </p:cSld>
+</p:sld>
+</file>
+
+<file path=ppt/slides/slide24.xml><?xml version="1.0" encoding="utf-8"?>
+<p:sld xmlns:a="http://schemas.openxmlformats.org/drawingml/2006/main" xmlns:r="http://schemas.openxmlformats.org/officeDocument/2006/relationships" xmlns:p="http://schemas.openxmlformats.org/presentationml/2006/main">
+  <p:cSld>
+    <p:spTree>
+      <p:nvGrpSpPr>
+        <p:cNvPr id="1" name=""/>
+        <p:cNvGrpSpPr/>
+        <p:nvPr/>
+      </p:nvGrpSpPr>
+      <p:grpSpPr>
+        <a:xfrm>
+          <a:off x="0" y="0"/>
+          <a:ext cx="0" cy="0"/>
+          <a:chOff x="0" y="0"/>
+          <a:chExt cx="0" cy="0"/>
+        </a:xfrm>
+      </p:grpSpPr>
+      <p:sp>
+        <p:nvSpPr>
+          <p:cNvPr id="2" name="Title 1"/>
+          <p:cNvSpPr>
+            <a:spLocks noGrp="1"/>
+          </p:cNvSpPr>
+          <p:nvPr>
+            <p:ph type="title"/>
+          </p:nvPr>
+        </p:nvSpPr>
+        <p:spPr>
+          <a:xfrm>
+            <a:off x="284309" y="205979"/>
+            <a:ext cx="8552330" cy="662317"/>
+          </a:xfrm>
+        </p:spPr>
+        <p:txBody>
+          <a:bodyPr/>
+          <a:lstStyle/>
+          <a:p>
+            <a:pPr lvl="0" indent="0" marL="0">
+              <a:buNone/>
+            </a:pPr>
+            <a:r>
+              <a:rPr/>
+              <a:t>Smoking Cessation</a:t>
+            </a:r>
+          </a:p>
+        </p:txBody>
+      </p:sp>
+      <p:sp>
+        <p:nvSpPr>
+          <p:cNvPr id="3" name="Content Placeholder 2"/>
+          <p:cNvSpPr>
+            <a:spLocks noGrp="1"/>
+          </p:cNvSpPr>
+          <p:nvPr>
+            <p:ph idx="1"/>
+          </p:nvPr>
+        </p:nvSpPr>
+        <p:spPr/>
+        <p:txBody>
+          <a:bodyPr/>
+          <a:lstStyle/>
+          <a:p>
+            <a:pPr lvl="0"/>
+            <a:r>
+              <a:rPr/>
+              <a:t>Smoking makes cancer treatment more difficult</a:t>
+            </a:r>
+          </a:p>
+          <a:p>
+            <a:pPr lvl="1"/>
+            <a:r>
+              <a:rPr/>
+              <a:t>Increases risk of complications after surgery</a:t>
+            </a:r>
+          </a:p>
+          <a:p>
+            <a:pPr lvl="0"/>
+            <a:r>
+              <a:rPr/>
+              <a:t>Options for help with smoking cessation:</a:t>
+            </a:r>
+          </a:p>
+          <a:p>
+            <a:pPr lvl="1"/>
+            <a:r>
+              <a:rPr/>
+              <a:t>NC Quit Line 1-800-QUIT-NOW (1-800-784-8669)</a:t>
+            </a:r>
+          </a:p>
+          <a:p>
+            <a:pPr lvl="1"/>
+            <a:r>
+              <a:rPr/>
+              <a:t>American Lung Assn www.freddomfromsmoking.org</a:t>
+            </a:r>
+          </a:p>
+          <a:p>
+            <a:pPr lvl="1"/>
+            <a:r>
+              <a:rPr/>
+              <a:t>Smoking Cessation Counseling (Metro Charlotte)</a:t>
             </a:r>
           </a:p>
         </p:txBody>
@@ -4906,9 +5496,40 @@
               <a:buNone/>
             </a:pPr>
             <a:br/>
-            <a:r>
-              <a:rPr/>
-              <a:t>- Removes the tumor - Does not remove lymph nodes - Best suited for: - Small adenocarcinoma - GI Stromal Tumors</a:t>
+          </a:p>
+          <a:p>
+            <a:pPr lvl="0"/>
+            <a:r>
+              <a:rPr/>
+              <a:t>Removes the tumor</a:t>
+            </a:r>
+          </a:p>
+          <a:p>
+            <a:pPr lvl="0"/>
+            <a:r>
+              <a:rPr/>
+              <a:t>Does not remove lymph nodes</a:t>
+            </a:r>
+          </a:p>
+          <a:p>
+            <a:pPr lvl="0"/>
+            <a:r>
+              <a:rPr/>
+              <a:t>Best suited for:</a:t>
+            </a:r>
+          </a:p>
+          <a:p>
+            <a:pPr lvl="1"/>
+            <a:r>
+              <a:rPr/>
+              <a:t>Small adenocarcinoma</a:t>
+            </a:r>
+          </a:p>
+          <a:p>
+            <a:pPr lvl="1"/>
+            <a:r>
+              <a:rPr/>
+              <a:t>GI Stromal Tumors</a:t>
             </a:r>
           </a:p>
         </p:txBody>
@@ -5122,13 +5743,6 @@
           <a:bodyPr/>
           <a:lstStyle/>
           <a:p>
-            <a:pPr lvl="0" indent="0" marL="0">
-              <a:buNone/>
-            </a:pPr>
-            <a:br/>
-            <a:br/>
-          </a:p>
-          <a:p>
             <a:pPr lvl="0"/>
             <a:r>
               <a:rPr/>
@@ -5146,7 +5760,14 @@
             <a:pPr lvl="0"/>
             <a:r>
               <a:rPr/>
-              <a:t>Suitable for small tumors or GIST</a:t>
+              <a:t>Suitable for small adenocarcinoma</a:t>
+            </a:r>
+          </a:p>
+          <a:p>
+            <a:pPr lvl="0"/>
+            <a:r>
+              <a:rPr/>
+              <a:t>Suitable for larger GI Stromal Tumors</a:t>
             </a:r>
           </a:p>
         </p:txBody>
@@ -5474,9 +6095,26 @@
             </a:pPr>
             <a:br/>
             <a:br/>
-            <a:r>
-              <a:rPr/>
-              <a:t>- Removes bottom 2/3 of stomach - Removes nearby lymph nodes - Reconstruction with small intestine</a:t>
+          </a:p>
+          <a:p>
+            <a:pPr lvl="0"/>
+            <a:r>
+              <a:rPr/>
+              <a:t>Removes bottom 2/3 of stomach</a:t>
+            </a:r>
+          </a:p>
+          <a:p>
+            <a:pPr lvl="0"/>
+            <a:r>
+              <a:rPr/>
+              <a:t>Removes nearby lymph nodes</a:t>
+            </a:r>
+          </a:p>
+          <a:p>
+            <a:pPr lvl="0"/>
+            <a:r>
+              <a:rPr/>
+              <a:t>Reconstruction with small intestine</a:t>
             </a:r>
           </a:p>
         </p:txBody>

--- a/lci_gastrectomy.pptx
+++ b/lci_gastrectomy.pptx
@@ -28,7 +28,6 @@
     <p:sldId id="276" r:id="rId22"/>
     <p:sldId id="277" r:id="rId23"/>
     <p:sldId id="278" r:id="rId24"/>
-    <p:sldId id="279" r:id="rId25"/>
   </p:sldIdLst>
   <p:sldSz cx="9144000" cy="5143500" type="screen16x9"/>
   <p:notesSz cx="6858000" cy="9144000"/>
@@ -4869,7 +4868,7 @@
             </a:pPr>
             <a:r>
               <a:rPr/>
-              <a:t>Preparing for Cancer Treatment</a:t>
+              <a:t>Primary Care Practitioner (PCP)</a:t>
             </a:r>
           </a:p>
         </p:txBody>
@@ -4889,31 +4888,30 @@
           <a:bodyPr/>
           <a:lstStyle/>
           <a:p>
-            <a:pPr lvl="0"/>
-            <a:r>
-              <a:rPr/>
-              <a:t>Primary Care Physician</a:t>
-            </a:r>
-          </a:p>
-          <a:p>
-            <a:pPr lvl="0"/>
-            <a:r>
-              <a:rPr/>
-              <a:t>MyAtrium Portal</a:t>
-            </a:r>
-          </a:p>
-          <a:p>
-            <a:pPr lvl="0"/>
-            <a:r>
-              <a:rPr/>
-              <a:t>Exercise</a:t>
-            </a:r>
-          </a:p>
-          <a:p>
-            <a:pPr lvl="0"/>
-            <a:r>
-              <a:rPr/>
-              <a:t>Smoking Cessation</a:t>
+            <a:pPr lvl="0" indent="0" marL="0">
+              <a:buNone/>
+            </a:pPr>
+            <a:r>
+              <a:rPr/>
+              <a:t>A PCP is critical to coordinate care between specialists.</a:t>
+            </a:r>
+          </a:p>
+          <a:p>
+            <a:pPr lvl="0" indent="0" marL="0">
+              <a:buNone/>
+            </a:pPr>
+            <a:r>
+              <a:rPr/>
+              <a:t>We will update your PCP after each visit</a:t>
+            </a:r>
+          </a:p>
+          <a:p>
+            <a:pPr lvl="0" indent="0" marL="0">
+              <a:buNone/>
+            </a:pPr>
+            <a:r>
+              <a:rPr/>
+              <a:t>Call our referral line at (844) 235-6998 if you need a PCP</a:t>
             </a:r>
           </a:p>
         </p:txBody>
@@ -4965,8 +4963,9 @@
             </a:pPr>
             <a:r>
               <a:rPr/>
-              <a:t>Primary Care Practitioner (PCP)</a:t>
-            </a:r>
+              <a:t>My Atrium Patient Portal</a:t>
+            </a:r>
+            <a:br/>
           </a:p>
         </p:txBody>
       </p:sp>
@@ -4985,30 +4984,24 @@
           <a:bodyPr/>
           <a:lstStyle/>
           <a:p>
-            <a:pPr lvl="0" indent="0" marL="0">
-              <a:buNone/>
-            </a:pPr>
-            <a:r>
-              <a:rPr/>
-              <a:t>A PCP is critical to coordinate care between specialists.</a:t>
-            </a:r>
-          </a:p>
-          <a:p>
-            <a:pPr lvl="0" indent="0" marL="0">
-              <a:buNone/>
-            </a:pPr>
-            <a:r>
-              <a:rPr/>
-              <a:t>We will update your PCP after each visit</a:t>
-            </a:r>
-          </a:p>
-          <a:p>
-            <a:pPr lvl="0" indent="0" marL="0">
-              <a:buNone/>
-            </a:pPr>
-            <a:r>
-              <a:rPr/>
-              <a:t>Call our referral line at (844) 235-6998 if you need a PCP</a:t>
+            <a:pPr lvl="0"/>
+            <a:r>
+              <a:rPr/>
+              <a:t>Critical to good communication with your care team</a:t>
+            </a:r>
+          </a:p>
+          <a:p>
+            <a:pPr lvl="0"/>
+            <a:r>
+              <a:rPr/>
+              <a:t>Available for desktop or laptop or phone</a:t>
+            </a:r>
+          </a:p>
+          <a:p>
+            <a:pPr lvl="0"/>
+            <a:r>
+              <a:rPr/>
+              <a:t>Sign up at my.atriumhealth.org</a:t>
             </a:r>
           </a:p>
         </p:txBody>
@@ -5060,9 +5053,8 @@
             </a:pPr>
             <a:r>
               <a:rPr/>
-              <a:t>My Atrium Patient Portal</a:t>
-            </a:r>
-            <a:br/>
+              <a:t>Exercise</a:t>
+            </a:r>
           </a:p>
         </p:txBody>
       </p:sp>
@@ -5084,21 +5076,35 @@
             <a:pPr lvl="0"/>
             <a:r>
               <a:rPr/>
-              <a:t>Critical to good communication with your care team</a:t>
+              <a:t>Reduces risk of complications from treatment</a:t>
             </a:r>
           </a:p>
           <a:p>
             <a:pPr lvl="0"/>
             <a:r>
               <a:rPr/>
-              <a:t>Available for desktop or laptop or phone</a:t>
-            </a:r>
-          </a:p>
-          <a:p>
-            <a:pPr lvl="0"/>
-            <a:r>
-              <a:rPr/>
-              <a:t>Sign up at my.atriumhealth.org</a:t>
+              <a:t>Goal is 30min/day of vigorous exercise 6 days/week</a:t>
+            </a:r>
+          </a:p>
+          <a:p>
+            <a:pPr lvl="1"/>
+            <a:r>
+              <a:rPr/>
+              <a:t>Working hard enough that you can’t converse</a:t>
+            </a:r>
+          </a:p>
+          <a:p>
+            <a:pPr lvl="1"/>
+            <a:r>
+              <a:rPr/>
+              <a:t>Start slowly and build up</a:t>
+            </a:r>
+          </a:p>
+          <a:p>
+            <a:pPr lvl="1"/>
+            <a:r>
+              <a:rPr/>
+              <a:t>Every day counts! (Aim for some activity every day)</a:t>
             </a:r>
           </a:p>
         </p:txBody>
@@ -5109,109 +5115,6 @@
 </file>
 
 <file path=ppt/slides/slide23.xml><?xml version="1.0" encoding="utf-8"?>
-<p:sld xmlns:a="http://schemas.openxmlformats.org/drawingml/2006/main" xmlns:r="http://schemas.openxmlformats.org/officeDocument/2006/relationships" xmlns:p="http://schemas.openxmlformats.org/presentationml/2006/main">
-  <p:cSld>
-    <p:spTree>
-      <p:nvGrpSpPr>
-        <p:cNvPr id="1" name=""/>
-        <p:cNvGrpSpPr/>
-        <p:nvPr/>
-      </p:nvGrpSpPr>
-      <p:grpSpPr>
-        <a:xfrm>
-          <a:off x="0" y="0"/>
-          <a:ext cx="0" cy="0"/>
-          <a:chOff x="0" y="0"/>
-          <a:chExt cx="0" cy="0"/>
-        </a:xfrm>
-      </p:grpSpPr>
-      <p:sp>
-        <p:nvSpPr>
-          <p:cNvPr id="2" name="Title 1"/>
-          <p:cNvSpPr>
-            <a:spLocks noGrp="1"/>
-          </p:cNvSpPr>
-          <p:nvPr>
-            <p:ph type="title"/>
-          </p:nvPr>
-        </p:nvSpPr>
-        <p:spPr>
-          <a:xfrm>
-            <a:off x="284309" y="205979"/>
-            <a:ext cx="8552330" cy="662317"/>
-          </a:xfrm>
-        </p:spPr>
-        <p:txBody>
-          <a:bodyPr/>
-          <a:lstStyle/>
-          <a:p>
-            <a:pPr lvl="0" indent="0" marL="0">
-              <a:buNone/>
-            </a:pPr>
-            <a:r>
-              <a:rPr/>
-              <a:t>Exercise</a:t>
-            </a:r>
-          </a:p>
-        </p:txBody>
-      </p:sp>
-      <p:sp>
-        <p:nvSpPr>
-          <p:cNvPr id="3" name="Content Placeholder 2"/>
-          <p:cNvSpPr>
-            <a:spLocks noGrp="1"/>
-          </p:cNvSpPr>
-          <p:nvPr>
-            <p:ph idx="1"/>
-          </p:nvPr>
-        </p:nvSpPr>
-        <p:spPr/>
-        <p:txBody>
-          <a:bodyPr/>
-          <a:lstStyle/>
-          <a:p>
-            <a:pPr lvl="0"/>
-            <a:r>
-              <a:rPr/>
-              <a:t>Reduces risk of complications from treatment</a:t>
-            </a:r>
-          </a:p>
-          <a:p>
-            <a:pPr lvl="0"/>
-            <a:r>
-              <a:rPr/>
-              <a:t>Goal is 30min/day of vigorous exercise 6 days/week</a:t>
-            </a:r>
-          </a:p>
-          <a:p>
-            <a:pPr lvl="1"/>
-            <a:r>
-              <a:rPr/>
-              <a:t>Working hard enough that you can’t converse</a:t>
-            </a:r>
-          </a:p>
-          <a:p>
-            <a:pPr lvl="1"/>
-            <a:r>
-              <a:rPr/>
-              <a:t>Start slowly and build up</a:t>
-            </a:r>
-          </a:p>
-          <a:p>
-            <a:pPr lvl="1"/>
-            <a:r>
-              <a:rPr/>
-              <a:t>Every day counts! (Aim for some activity every day)</a:t>
-            </a:r>
-          </a:p>
-        </p:txBody>
-      </p:sp>
-    </p:spTree>
-  </p:cSld>
-</p:sld>
-</file>
-
-<file path=ppt/slides/slide24.xml><?xml version="1.0" encoding="utf-8"?>
 <p:sld xmlns:a="http://schemas.openxmlformats.org/drawingml/2006/main" xmlns:r="http://schemas.openxmlformats.org/officeDocument/2006/relationships" xmlns:p="http://schemas.openxmlformats.org/presentationml/2006/main">
   <p:cSld>
     <p:spTree>

--- a/lci_gastrectomy.pptx
+++ b/lci_gastrectomy.pptx
@@ -5657,20 +5657,6 @@
             <a:r>
               <a:rPr/>
               <a:t>Does not remove all lymph nodes</a:t>
-            </a:r>
-          </a:p>
-          <a:p>
-            <a:pPr lvl="0"/>
-            <a:r>
-              <a:rPr/>
-              <a:t>Suitable for small adenocarcinoma</a:t>
-            </a:r>
-          </a:p>
-          <a:p>
-            <a:pPr lvl="0"/>
-            <a:r>
-              <a:rPr/>
-              <a:t>Suitable for larger GI Stromal Tumors</a:t>
             </a:r>
           </a:p>
         </p:txBody>

--- a/lci_gastrectomy.pptx
+++ b/lci_gastrectomy.pptx
@@ -4562,14 +4562,14 @@
             <a:pPr lvl="0"/>
             <a:r>
               <a:rPr/>
-              <a:t>Several incisions 1/4” long</a:t>
+              <a:t>Several 1/4” incisions 1/4”</a:t>
             </a:r>
           </a:p>
           <a:p>
             <a:pPr lvl="0"/>
             <a:r>
               <a:rPr/>
-              <a:t>A telescope is used to examine the abdomen</a:t>
+              <a:t>Telescope examines the abdomen</a:t>
             </a:r>
           </a:p>
           <a:p>
@@ -4893,7 +4893,7 @@
             </a:pPr>
             <a:r>
               <a:rPr/>
-              <a:t>A PCP is critical to coordinate care between specialists.</a:t>
+              <a:t>Critical to coordinate care between specialists.</a:t>
             </a:r>
           </a:p>
           <a:p>
@@ -4911,7 +4911,7 @@
             </a:pPr>
             <a:r>
               <a:rPr/>
-              <a:t>Call our referral line at (844) 235-6998 if you need a PCP</a:t>
+              <a:t>PCP Referral Line (844) 235-6998</a:t>
             </a:r>
           </a:p>
         </p:txBody>
@@ -5104,7 +5104,7 @@
             <a:pPr lvl="1"/>
             <a:r>
               <a:rPr/>
-              <a:t>Every day counts! (Aim for some activity every day)</a:t>
+              <a:t>Every day counts! (Aim for daily activity)</a:t>
             </a:r>
           </a:p>
         </p:txBody>

--- a/lci_gastrectomy.pptx
+++ b/lci_gastrectomy.pptx
@@ -28,6 +28,8 @@
     <p:sldId id="276" r:id="rId22"/>
     <p:sldId id="277" r:id="rId23"/>
     <p:sldId id="278" r:id="rId24"/>
+    <p:sldId id="279" r:id="rId25"/>
+    <p:sldId id="280" r:id="rId26"/>
   </p:sldIdLst>
   <p:sldSz cx="9144000" cy="5143500" type="screen16x9"/>
   <p:notesSz cx="6858000" cy="9144000"/>
@@ -338,7 +340,7 @@
           <a:p>
             <a:fld id="{241EB5C9-1307-BA42-ABA2-0BC069CD8E7F}" type="datetimeFigureOut">
               <a:rPr lang="en-US" smtClean="0"/>
-              <a:t>1/11/25</a:t>
+              <a:t>2/24/25</a:t>
             </a:fld>
             <a:endParaRPr lang="en-US"/>
           </a:p>
@@ -530,7 +532,7 @@
           <a:p>
             <a:fld id="{241EB5C9-1307-BA42-ABA2-0BC069CD8E7F}" type="datetimeFigureOut">
               <a:rPr lang="en-US" smtClean="0"/>
-              <a:t>1/11/25</a:t>
+              <a:t>2/24/25</a:t>
             </a:fld>
             <a:endParaRPr lang="en-US"/>
           </a:p>
@@ -732,7 +734,7 @@
           <a:p>
             <a:fld id="{241EB5C9-1307-BA42-ABA2-0BC069CD8E7F}" type="datetimeFigureOut">
               <a:rPr lang="en-US" smtClean="0"/>
-              <a:t>1/11/25</a:t>
+              <a:t>2/24/25</a:t>
             </a:fld>
             <a:endParaRPr lang="en-US"/>
           </a:p>
@@ -934,7 +936,7 @@
           <a:p>
             <a:fld id="{241EB5C9-1307-BA42-ABA2-0BC069CD8E7F}" type="datetimeFigureOut">
               <a:rPr lang="en-US" smtClean="0"/>
-              <a:t>1/11/25</a:t>
+              <a:t>2/24/25</a:t>
             </a:fld>
             <a:endParaRPr lang="en-US"/>
           </a:p>
@@ -1474,7 +1476,7 @@
           <a:p>
             <a:fld id="{241EB5C9-1307-BA42-ABA2-0BC069CD8E7F}" type="datetimeFigureOut">
               <a:rPr lang="en-US" smtClean="0"/>
-              <a:t>1/11/25</a:t>
+              <a:t>2/24/25</a:t>
             </a:fld>
             <a:endParaRPr lang="en-US"/>
           </a:p>
@@ -2148,7 +2150,7 @@
           <a:p>
             <a:fld id="{241EB5C9-1307-BA42-ABA2-0BC069CD8E7F}" type="datetimeFigureOut">
               <a:rPr lang="en-US" smtClean="0"/>
-              <a:t>1/11/25</a:t>
+              <a:t>2/24/25</a:t>
             </a:fld>
             <a:endParaRPr lang="en-US"/>
           </a:p>
@@ -2295,7 +2297,7 @@
           <a:p>
             <a:fld id="{241EB5C9-1307-BA42-ABA2-0BC069CD8E7F}" type="datetimeFigureOut">
               <a:rPr lang="en-US" smtClean="0"/>
-              <a:t>1/11/25</a:t>
+              <a:t>2/24/25</a:t>
             </a:fld>
             <a:endParaRPr lang="en-US"/>
           </a:p>
@@ -2414,7 +2416,7 @@
           <a:p>
             <a:fld id="{241EB5C9-1307-BA42-ABA2-0BC069CD8E7F}" type="datetimeFigureOut">
               <a:rPr lang="en-US" smtClean="0"/>
-              <a:t>1/11/25</a:t>
+              <a:t>2/24/25</a:t>
             </a:fld>
             <a:endParaRPr lang="en-US"/>
           </a:p>
@@ -2713,7 +2715,7 @@
           <a:p>
             <a:fld id="{241EB5C9-1307-BA42-ABA2-0BC069CD8E7F}" type="datetimeFigureOut">
               <a:rPr lang="en-US" smtClean="0"/>
-              <a:t>1/11/25</a:t>
+              <a:t>2/24/25</a:t>
             </a:fld>
             <a:endParaRPr lang="en-US"/>
           </a:p>
@@ -2989,7 +2991,7 @@
           <a:p>
             <a:fld id="{241EB5C9-1307-BA42-ABA2-0BC069CD8E7F}" type="datetimeFigureOut">
               <a:rPr lang="en-US" smtClean="0"/>
-              <a:t>1/11/25</a:t>
+              <a:t>2/24/25</a:t>
             </a:fld>
             <a:endParaRPr lang="en-US"/>
           </a:p>
@@ -3242,7 +3244,7 @@
         </a:spcBef>
         <a:buFont typeface="Arial"/>
         <a:buChar char="–"/>
-        <a:defRPr baseline="0" kern="1200" sz="2100">
+        <a:defRPr baseline="0" kern="1200" sz="2400">
           <a:solidFill>
             <a:schemeClr val="tx1"/>
           </a:solidFill>
@@ -3257,7 +3259,7 @@
         </a:spcBef>
         <a:buFont typeface="Arial"/>
         <a:buChar char="•"/>
-        <a:defRPr kern="1200" sz="1800">
+        <a:defRPr kern="1200" sz="2400">
           <a:solidFill>
             <a:schemeClr val="tx1"/>
           </a:solidFill>
@@ -3272,7 +3274,7 @@
         </a:spcBef>
         <a:buFont typeface="Arial"/>
         <a:buChar char="–"/>
-        <a:defRPr kern="1200" sz="1500">
+        <a:defRPr kern="1200" sz="2400">
           <a:solidFill>
             <a:schemeClr val="tx1"/>
           </a:solidFill>
@@ -4111,7 +4113,7 @@
       </p:sp>
       <p:pic>
         <p:nvPicPr>
-          <p:cNvPr descr="https://deidt7p41jzcy.cloudfront.net/MIE_IvorLewisArtboard.png" id="0" name="Picture 1"/>
+          <p:cNvPr descr="https://deidt7p41jzcy.cloudfront.net/Eso_tumor00_resection2_1600.png" id="0" name="Picture 1"/>
           <p:cNvPicPr>
             <a:picLocks noGrp="1" noChangeAspect="1"/>
           </p:cNvPicPr>
@@ -4125,8 +4127,8 @@
         </p:blipFill>
         <p:spPr bwMode="auto">
           <a:xfrm>
-            <a:off x="4914900" y="1193800"/>
-            <a:ext cx="3632200" cy="3733800"/>
+            <a:off x="5067300" y="1193800"/>
+            <a:ext cx="3314700" cy="3733800"/>
           </a:xfrm>
           <a:prstGeom prst="rect">
             <a:avLst/>
@@ -4186,7 +4188,7 @@
             </a:pPr>
             <a:r>
               <a:rPr/>
-              <a:t>Dual Tract Gastrectomy</a:t>
+              <a:t>Esophagogastrectomy</a:t>
             </a:r>
           </a:p>
         </p:txBody>
@@ -4210,23 +4212,33 @@
               <a:buNone/>
             </a:pPr>
             <a:br/>
-            <a:r>
-              <a:rPr/>
-              <a:t>Alternative surgical approach for small tumors near the top of the stomach</a:t>
-            </a:r>
           </a:p>
           <a:p>
             <a:pPr lvl="0"/>
             <a:r>
               <a:rPr/>
-              <a:t>Preserves the bottom of the stomach as a reservoir</a:t>
+              <a:t>Removes top part of stomach</a:t>
+            </a:r>
+          </a:p>
+          <a:p>
+            <a:pPr lvl="0"/>
+            <a:r>
+              <a:rPr/>
+              <a:t>Remove bottom half of esophagus</a:t>
+            </a:r>
+          </a:p>
+          <a:p>
+            <a:pPr lvl="0"/>
+            <a:r>
+              <a:rPr/>
+              <a:t>Surgery in both abdomen and chest</a:t>
             </a:r>
           </a:p>
         </p:txBody>
       </p:sp>
       <p:pic>
         <p:nvPicPr>
-          <p:cNvPr descr="https://deidt7p41jzcy.cloudfront.net/gast_dualtract.png" id="0" name="Picture 1"/>
+          <p:cNvPr descr="https://deidt7p41jzcy.cloudfront.net/ivor_lewis_simple2_900.png" id="0" name="Picture 1"/>
           <p:cNvPicPr>
             <a:picLocks noGrp="1" noChangeAspect="1"/>
           </p:cNvPicPr>
@@ -4240,8 +4252,8 @@
         </p:blipFill>
         <p:spPr bwMode="auto">
           <a:xfrm>
-            <a:off x="5283200" y="1193800"/>
-            <a:ext cx="2882900" cy="3733800"/>
+            <a:off x="5067300" y="1193800"/>
+            <a:ext cx="3314700" cy="3733800"/>
           </a:xfrm>
           <a:prstGeom prst="rect">
             <a:avLst/>
@@ -4301,14 +4313,57 @@
             </a:pPr>
             <a:r>
               <a:rPr/>
-              <a:t>Dual Tract Gastrectomy</a:t>
+              <a:t>Esophagogastrectomy</a:t>
+            </a:r>
+          </a:p>
+        </p:txBody>
+      </p:sp>
+      <p:sp>
+        <p:nvSpPr>
+          <p:cNvPr id="3" name="Content Placeholder 2"/>
+          <p:cNvSpPr>
+            <a:spLocks noGrp="1"/>
+          </p:cNvSpPr>
+          <p:nvPr>
+            <p:ph idx="1" sz="half"/>
+          </p:nvPr>
+        </p:nvSpPr>
+        <p:spPr/>
+        <p:txBody>
+          <a:bodyPr/>
+          <a:lstStyle/>
+          <a:p>
+            <a:pPr lvl="0" indent="0" marL="0">
+              <a:buNone/>
+            </a:pPr>
+            <a:br/>
+          </a:p>
+          <a:p>
+            <a:pPr lvl="0"/>
+            <a:r>
+              <a:rPr/>
+              <a:t>Removes top part of stomach</a:t>
+            </a:r>
+          </a:p>
+          <a:p>
+            <a:pPr lvl="0"/>
+            <a:r>
+              <a:rPr/>
+              <a:t>Remove bottom half of esophagus</a:t>
+            </a:r>
+          </a:p>
+          <a:p>
+            <a:pPr lvl="0"/>
+            <a:r>
+              <a:rPr/>
+              <a:t>Surgery in both abdomen and chest</a:t>
             </a:r>
           </a:p>
         </p:txBody>
       </p:sp>
       <p:pic>
         <p:nvPicPr>
-          <p:cNvPr descr="https://deidt7p41jzcy.cloudfront.net/gast_proximal_tumor.png" id="0" name="Picture 1"/>
+          <p:cNvPr descr="https://deidt7p41jzcy.cloudfront.net/ivor_lewis_simple2.png" id="0" name="Picture 1"/>
           <p:cNvPicPr>
             <a:picLocks noGrp="1" noChangeAspect="1"/>
           </p:cNvPicPr>
@@ -4322,38 +4377,8 @@
         </p:blipFill>
         <p:spPr bwMode="auto">
           <a:xfrm>
-            <a:off x="952500" y="1193800"/>
-            <a:ext cx="2882900" cy="3733800"/>
-          </a:xfrm>
-          <a:prstGeom prst="rect">
-            <a:avLst/>
-          </a:prstGeom>
-          <a:noFill/>
-          <a:ln w="9525">
-            <a:noFill/>
-            <a:headEnd/>
-            <a:tailEnd/>
-          </a:ln>
-        </p:spPr>
-      </p:pic>
-      <p:pic>
-        <p:nvPicPr>
-          <p:cNvPr descr="https://deidt7p41jzcy.cloudfront.net/gast_dualtract.png" id="0" name="Picture 1"/>
-          <p:cNvPicPr>
-            <a:picLocks noGrp="1" noChangeAspect="1"/>
-          </p:cNvPicPr>
-          <p:nvPr/>
-        </p:nvPicPr>
-        <p:blipFill>
-          <a:blip r:embed="rId3"/>
-          <a:stretch>
-            <a:fillRect/>
-          </a:stretch>
-        </p:blipFill>
-        <p:spPr bwMode="auto">
-          <a:xfrm>
-            <a:off x="5283200" y="1193800"/>
-            <a:ext cx="2882900" cy="3733800"/>
+            <a:off x="4914900" y="1193800"/>
+            <a:ext cx="3632200" cy="3733800"/>
           </a:xfrm>
           <a:prstGeom prst="rect">
             <a:avLst/>
@@ -4413,7 +4438,7 @@
             </a:pPr>
             <a:r>
               <a:rPr/>
-              <a:t>Laparoscopy</a:t>
+              <a:t>Dual Tract Gastrectomy</a:t>
             </a:r>
           </a:p>
         </p:txBody>
@@ -4433,31 +4458,27 @@
           <a:bodyPr/>
           <a:lstStyle/>
           <a:p>
+            <a:pPr lvl="0" indent="0" marL="0">
+              <a:buNone/>
+            </a:pPr>
+            <a:br/>
+            <a:r>
+              <a:rPr/>
+              <a:t>Alternative surgical approach for small tumors near the top of the stomach</a:t>
+            </a:r>
+          </a:p>
+          <a:p>
             <a:pPr lvl="0"/>
             <a:r>
               <a:rPr/>
-              <a:t>Some stomach cancers can spread inside the abdomen</a:t>
-            </a:r>
-          </a:p>
-          <a:p>
-            <a:pPr lvl="0"/>
-            <a:r>
-              <a:rPr/>
-              <a:t>Areas of spread can be very small (grain of rice)</a:t>
-            </a:r>
-          </a:p>
-          <a:p>
-            <a:pPr lvl="0"/>
-            <a:r>
-              <a:rPr/>
-              <a:t>Laparoscopy can detect spread inside the abdomen</a:t>
+              <a:t>Preserves the bottom of the stomach as a reservoir</a:t>
             </a:r>
           </a:p>
         </p:txBody>
       </p:sp>
       <p:pic>
         <p:nvPicPr>
-          <p:cNvPr descr="https://deidt7p41jzcy.cloudfront.net/Eso_Laparoscopy.png" id="0" name="Picture 1"/>
+          <p:cNvPr descr="https://deidt7p41jzcy.cloudfront.net/gast_dualtract.png" id="0" name="Picture 1"/>
           <p:cNvPicPr>
             <a:picLocks noGrp="1" noChangeAspect="1"/>
           </p:cNvPicPr>
@@ -4471,8 +4492,8 @@
         </p:blipFill>
         <p:spPr bwMode="auto">
           <a:xfrm>
-            <a:off x="4914900" y="1193800"/>
-            <a:ext cx="3632200" cy="3733800"/>
+            <a:off x="5283200" y="1193800"/>
+            <a:ext cx="2882900" cy="3733800"/>
           </a:xfrm>
           <a:prstGeom prst="rect">
             <a:avLst/>
@@ -4532,58 +4553,14 @@
             </a:pPr>
             <a:r>
               <a:rPr/>
-              <a:t>Laparoscopy</a:t>
-            </a:r>
-          </a:p>
-        </p:txBody>
-      </p:sp>
-      <p:sp>
-        <p:nvSpPr>
-          <p:cNvPr id="3" name="Content Placeholder 2"/>
-          <p:cNvSpPr>
-            <a:spLocks noGrp="1"/>
-          </p:cNvSpPr>
-          <p:nvPr>
-            <p:ph idx="1" sz="half"/>
-          </p:nvPr>
-        </p:nvSpPr>
-        <p:spPr/>
-        <p:txBody>
-          <a:bodyPr/>
-          <a:lstStyle/>
-          <a:p>
-            <a:pPr lvl="0"/>
-            <a:r>
-              <a:rPr/>
-              <a:t>General anesthetic</a:t>
-            </a:r>
-          </a:p>
-          <a:p>
-            <a:pPr lvl="0"/>
-            <a:r>
-              <a:rPr/>
-              <a:t>Several 1/4” incisions 1/4”</a:t>
-            </a:r>
-          </a:p>
-          <a:p>
-            <a:pPr lvl="0"/>
-            <a:r>
-              <a:rPr/>
-              <a:t>Telescope examines the abdomen</a:t>
-            </a:r>
-          </a:p>
-          <a:p>
-            <a:pPr lvl="0"/>
-            <a:r>
-              <a:rPr/>
-              <a:t>Biopsies can be performed.</a:t>
+              <a:t>Dual Tract Gastrectomy</a:t>
             </a:r>
           </a:p>
         </p:txBody>
       </p:sp>
       <p:pic>
         <p:nvPicPr>
-          <p:cNvPr descr="https://deidt7p41jzcy.cloudfront.net/Eso_Laparoscopy.png" id="0" name="Picture 1"/>
+          <p:cNvPr descr="https://deidt7p41jzcy.cloudfront.net/gast_proximal_tumor.png" id="0" name="Picture 1"/>
           <p:cNvPicPr>
             <a:picLocks noGrp="1" noChangeAspect="1"/>
           </p:cNvPicPr>
@@ -4597,8 +4574,38 @@
         </p:blipFill>
         <p:spPr bwMode="auto">
           <a:xfrm>
-            <a:off x="4914900" y="1193800"/>
-            <a:ext cx="3632200" cy="3733800"/>
+            <a:off x="952500" y="1193800"/>
+            <a:ext cx="2882900" cy="3733800"/>
+          </a:xfrm>
+          <a:prstGeom prst="rect">
+            <a:avLst/>
+          </a:prstGeom>
+          <a:noFill/>
+          <a:ln w="9525">
+            <a:noFill/>
+            <a:headEnd/>
+            <a:tailEnd/>
+          </a:ln>
+        </p:spPr>
+      </p:pic>
+      <p:pic>
+        <p:nvPicPr>
+          <p:cNvPr descr="https://deidt7p41jzcy.cloudfront.net/gast_dualtract.png" id="0" name="Picture 1"/>
+          <p:cNvPicPr>
+            <a:picLocks noGrp="1" noChangeAspect="1"/>
+          </p:cNvPicPr>
+          <p:nvPr/>
+        </p:nvPicPr>
+        <p:blipFill>
+          <a:blip r:embed="rId3"/>
+          <a:stretch>
+            <a:fillRect/>
+          </a:stretch>
+        </p:blipFill>
+        <p:spPr bwMode="auto">
+          <a:xfrm>
+            <a:off x="5283200" y="1193800"/>
+            <a:ext cx="2882900" cy="3733800"/>
           </a:xfrm>
           <a:prstGeom prst="rect">
             <a:avLst/>
@@ -4645,8 +4652,8 @@
         </p:nvSpPr>
         <p:spPr>
           <a:xfrm>
-            <a:off x="284309" y="205979"/>
-            <a:ext cx="8552330" cy="662317"/>
+            <a:off x="315045" y="205979"/>
+            <a:ext cx="8529278" cy="857250"/>
           </a:xfrm>
         </p:spPr>
         <p:txBody>
@@ -4658,7 +4665,7 @@
             </a:pPr>
             <a:r>
               <a:rPr/>
-              <a:t>Risks of Surgery</a:t>
+              <a:t>Laparoscopy</a:t>
             </a:r>
           </a:p>
         </p:txBody>
@@ -4670,7 +4677,7 @@
             <a:spLocks noGrp="1"/>
           </p:cNvSpPr>
           <p:nvPr>
-            <p:ph idx="1"/>
+            <p:ph idx="1" sz="half"/>
           </p:nvPr>
         </p:nvSpPr>
         <p:spPr/>
@@ -4681,32 +4688,55 @@
             <a:pPr lvl="0"/>
             <a:r>
               <a:rPr/>
-              <a:t>Leak where bowel is joined together (anastomosis)</a:t>
+              <a:t>Some stomach cancers can spread inside the abdomen</a:t>
             </a:r>
           </a:p>
           <a:p>
             <a:pPr lvl="0"/>
             <a:r>
               <a:rPr/>
-              <a:t>Bleeding requiring reoperation</a:t>
+              <a:t>Areas of spread can be very small (grain of rice)</a:t>
             </a:r>
           </a:p>
           <a:p>
             <a:pPr lvl="0"/>
             <a:r>
               <a:rPr/>
-              <a:t>Delayed stomach function</a:t>
-            </a:r>
-          </a:p>
-          <a:p>
-            <a:pPr lvl="0"/>
-            <a:r>
-              <a:rPr/>
-              <a:t>Infection in the abdomen</a:t>
-            </a:r>
-          </a:p>
-        </p:txBody>
-      </p:sp>
+              <a:t>Laparoscopy can detect spread inside the abdomen</a:t>
+            </a:r>
+          </a:p>
+        </p:txBody>
+      </p:sp>
+      <p:pic>
+        <p:nvPicPr>
+          <p:cNvPr descr="https://deidt7p41jzcy.cloudfront.net/Eso_Laparoscopy.png" id="0" name="Picture 1"/>
+          <p:cNvPicPr>
+            <a:picLocks noGrp="1" noChangeAspect="1"/>
+          </p:cNvPicPr>
+          <p:nvPr/>
+        </p:nvPicPr>
+        <p:blipFill>
+          <a:blip r:embed="rId2"/>
+          <a:stretch>
+            <a:fillRect/>
+          </a:stretch>
+        </p:blipFill>
+        <p:spPr bwMode="auto">
+          <a:xfrm>
+            <a:off x="4914900" y="1193800"/>
+            <a:ext cx="3632200" cy="3733800"/>
+          </a:xfrm>
+          <a:prstGeom prst="rect">
+            <a:avLst/>
+          </a:prstGeom>
+          <a:noFill/>
+          <a:ln w="9525">
+            <a:noFill/>
+            <a:headEnd/>
+            <a:tailEnd/>
+          </a:ln>
+        </p:spPr>
+      </p:pic>
     </p:spTree>
   </p:cSld>
 </p:sld>
@@ -4855,8 +4885,8 @@
         </p:nvSpPr>
         <p:spPr>
           <a:xfrm>
-            <a:off x="284309" y="205979"/>
-            <a:ext cx="8552330" cy="662317"/>
+            <a:off x="315045" y="205979"/>
+            <a:ext cx="8529278" cy="857250"/>
           </a:xfrm>
         </p:spPr>
         <p:txBody>
@@ -4868,7 +4898,7 @@
             </a:pPr>
             <a:r>
               <a:rPr/>
-              <a:t>Primary Care Practitioner (PCP)</a:t>
+              <a:t>Laparoscopy</a:t>
             </a:r>
           </a:p>
         </p:txBody>
@@ -4880,7 +4910,7 @@
             <a:spLocks noGrp="1"/>
           </p:cNvSpPr>
           <p:nvPr>
-            <p:ph idx="1"/>
+            <p:ph idx="1" sz="half"/>
           </p:nvPr>
         </p:nvSpPr>
         <p:spPr/>
@@ -4888,34 +4918,65 @@
           <a:bodyPr/>
           <a:lstStyle/>
           <a:p>
-            <a:pPr lvl="0" indent="0" marL="0">
-              <a:buNone/>
-            </a:pPr>
-            <a:r>
-              <a:rPr/>
-              <a:t>Critical to coordinate care between specialists.</a:t>
-            </a:r>
-          </a:p>
-          <a:p>
-            <a:pPr lvl="0" indent="0" marL="0">
-              <a:buNone/>
-            </a:pPr>
-            <a:r>
-              <a:rPr/>
-              <a:t>We will update your PCP after each visit</a:t>
-            </a:r>
-          </a:p>
-          <a:p>
-            <a:pPr lvl="0" indent="0" marL="0">
-              <a:buNone/>
-            </a:pPr>
-            <a:r>
-              <a:rPr/>
-              <a:t>PCP Referral Line (844) 235-6998</a:t>
-            </a:r>
-          </a:p>
-        </p:txBody>
-      </p:sp>
+            <a:pPr lvl="0"/>
+            <a:r>
+              <a:rPr/>
+              <a:t>General anesthetic</a:t>
+            </a:r>
+          </a:p>
+          <a:p>
+            <a:pPr lvl="0"/>
+            <a:r>
+              <a:rPr/>
+              <a:t>Several 1/4” incisions</a:t>
+            </a:r>
+          </a:p>
+          <a:p>
+            <a:pPr lvl="0"/>
+            <a:r>
+              <a:rPr/>
+              <a:t>Telescope examines the abdomen</a:t>
+            </a:r>
+          </a:p>
+          <a:p>
+            <a:pPr lvl="0"/>
+            <a:r>
+              <a:rPr/>
+              <a:t>Biopsies can be performed.</a:t>
+            </a:r>
+          </a:p>
+        </p:txBody>
+      </p:sp>
+      <p:pic>
+        <p:nvPicPr>
+          <p:cNvPr descr="https://deidt7p41jzcy.cloudfront.net/Eso_Laparoscopy.png" id="0" name="Picture 1"/>
+          <p:cNvPicPr>
+            <a:picLocks noGrp="1" noChangeAspect="1"/>
+          </p:cNvPicPr>
+          <p:nvPr/>
+        </p:nvPicPr>
+        <p:blipFill>
+          <a:blip r:embed="rId2"/>
+          <a:stretch>
+            <a:fillRect/>
+          </a:stretch>
+        </p:blipFill>
+        <p:spPr bwMode="auto">
+          <a:xfrm>
+            <a:off x="4914900" y="1193800"/>
+            <a:ext cx="3632200" cy="3733800"/>
+          </a:xfrm>
+          <a:prstGeom prst="rect">
+            <a:avLst/>
+          </a:prstGeom>
+          <a:noFill/>
+          <a:ln w="9525">
+            <a:noFill/>
+            <a:headEnd/>
+            <a:tailEnd/>
+          </a:ln>
+        </p:spPr>
+      </p:pic>
     </p:spTree>
   </p:cSld>
 </p:sld>
@@ -4963,9 +5024,8 @@
             </a:pPr>
             <a:r>
               <a:rPr/>
-              <a:t>My Atrium Patient Portal</a:t>
-            </a:r>
-            <a:br/>
+              <a:t>Risks of Surgery</a:t>
+            </a:r>
           </a:p>
         </p:txBody>
       </p:sp>
@@ -4987,21 +5047,28 @@
             <a:pPr lvl="0"/>
             <a:r>
               <a:rPr/>
-              <a:t>Critical to good communication with your care team</a:t>
+              <a:t>Leak where bowel is joined together (anastomosis)</a:t>
             </a:r>
           </a:p>
           <a:p>
             <a:pPr lvl="0"/>
             <a:r>
               <a:rPr/>
-              <a:t>Available for desktop or laptop or phone</a:t>
+              <a:t>Bleeding requiring reoperation</a:t>
             </a:r>
           </a:p>
           <a:p>
             <a:pPr lvl="0"/>
             <a:r>
               <a:rPr/>
-              <a:t>Sign up at my.atriumhealth.org</a:t>
+              <a:t>Delayed stomach function</a:t>
+            </a:r>
+          </a:p>
+          <a:p>
+            <a:pPr lvl="0"/>
+            <a:r>
+              <a:rPr/>
+              <a:t>Infection in the abdomen</a:t>
             </a:r>
           </a:p>
         </p:txBody>
@@ -5053,7 +5120,7 @@
             </a:pPr>
             <a:r>
               <a:rPr/>
-              <a:t>Exercise</a:t>
+              <a:t>Primary Care Practitioner (PCP)</a:t>
             </a:r>
           </a:p>
         </p:txBody>
@@ -5073,38 +5140,30 @@
           <a:bodyPr/>
           <a:lstStyle/>
           <a:p>
-            <a:pPr lvl="0"/>
-            <a:r>
-              <a:rPr/>
-              <a:t>Reduces risk of complications from treatment</a:t>
-            </a:r>
-          </a:p>
-          <a:p>
-            <a:pPr lvl="0"/>
-            <a:r>
-              <a:rPr/>
-              <a:t>Goal is 30min/day of vigorous exercise 6 days/week</a:t>
-            </a:r>
-          </a:p>
-          <a:p>
-            <a:pPr lvl="1"/>
-            <a:r>
-              <a:rPr/>
-              <a:t>Working hard enough that you can’t converse</a:t>
-            </a:r>
-          </a:p>
-          <a:p>
-            <a:pPr lvl="1"/>
-            <a:r>
-              <a:rPr/>
-              <a:t>Start slowly and build up</a:t>
-            </a:r>
-          </a:p>
-          <a:p>
-            <a:pPr lvl="1"/>
-            <a:r>
-              <a:rPr/>
-              <a:t>Every day counts! (Aim for daily activity)</a:t>
+            <a:pPr lvl="0" indent="0" marL="0">
+              <a:buNone/>
+            </a:pPr>
+            <a:r>
+              <a:rPr/>
+              <a:t>Critical to coordinate care between specialists.</a:t>
+            </a:r>
+          </a:p>
+          <a:p>
+            <a:pPr lvl="0" indent="0" marL="0">
+              <a:buNone/>
+            </a:pPr>
+            <a:r>
+              <a:rPr/>
+              <a:t>We will update your PCP after each visit</a:t>
+            </a:r>
+          </a:p>
+          <a:p>
+            <a:pPr lvl="0" indent="0" marL="0">
+              <a:buNone/>
+            </a:pPr>
+            <a:r>
+              <a:rPr/>
+              <a:t>PCP Referral Line (844) 235-6998</a:t>
             </a:r>
           </a:p>
         </p:txBody>
@@ -5115,6 +5174,199 @@
 </file>
 
 <file path=ppt/slides/slide23.xml><?xml version="1.0" encoding="utf-8"?>
+<p:sld xmlns:a="http://schemas.openxmlformats.org/drawingml/2006/main" xmlns:r="http://schemas.openxmlformats.org/officeDocument/2006/relationships" xmlns:p="http://schemas.openxmlformats.org/presentationml/2006/main">
+  <p:cSld>
+    <p:spTree>
+      <p:nvGrpSpPr>
+        <p:cNvPr id="1" name=""/>
+        <p:cNvGrpSpPr/>
+        <p:nvPr/>
+      </p:nvGrpSpPr>
+      <p:grpSpPr>
+        <a:xfrm>
+          <a:off x="0" y="0"/>
+          <a:ext cx="0" cy="0"/>
+          <a:chOff x="0" y="0"/>
+          <a:chExt cx="0" cy="0"/>
+        </a:xfrm>
+      </p:grpSpPr>
+      <p:sp>
+        <p:nvSpPr>
+          <p:cNvPr id="2" name="Title 1"/>
+          <p:cNvSpPr>
+            <a:spLocks noGrp="1"/>
+          </p:cNvSpPr>
+          <p:nvPr>
+            <p:ph type="title"/>
+          </p:nvPr>
+        </p:nvSpPr>
+        <p:spPr>
+          <a:xfrm>
+            <a:off x="284309" y="205979"/>
+            <a:ext cx="8552330" cy="662317"/>
+          </a:xfrm>
+        </p:spPr>
+        <p:txBody>
+          <a:bodyPr/>
+          <a:lstStyle/>
+          <a:p>
+            <a:pPr lvl="0" indent="0" marL="0">
+              <a:buNone/>
+            </a:pPr>
+            <a:r>
+              <a:rPr/>
+              <a:t>My Atrium Patient Portal</a:t>
+            </a:r>
+            <a:br/>
+          </a:p>
+        </p:txBody>
+      </p:sp>
+      <p:sp>
+        <p:nvSpPr>
+          <p:cNvPr id="3" name="Content Placeholder 2"/>
+          <p:cNvSpPr>
+            <a:spLocks noGrp="1"/>
+          </p:cNvSpPr>
+          <p:nvPr>
+            <p:ph idx="1"/>
+          </p:nvPr>
+        </p:nvSpPr>
+        <p:spPr/>
+        <p:txBody>
+          <a:bodyPr/>
+          <a:lstStyle/>
+          <a:p>
+            <a:pPr lvl="0"/>
+            <a:r>
+              <a:rPr/>
+              <a:t>Critical to good communication with your care team</a:t>
+            </a:r>
+          </a:p>
+          <a:p>
+            <a:pPr lvl="0"/>
+            <a:r>
+              <a:rPr/>
+              <a:t>Available for desktop or laptop or phone</a:t>
+            </a:r>
+          </a:p>
+          <a:p>
+            <a:pPr lvl="0"/>
+            <a:r>
+              <a:rPr/>
+              <a:t>Sign up at my.atriumhealth.org</a:t>
+            </a:r>
+          </a:p>
+        </p:txBody>
+      </p:sp>
+    </p:spTree>
+  </p:cSld>
+</p:sld>
+</file>
+
+<file path=ppt/slides/slide24.xml><?xml version="1.0" encoding="utf-8"?>
+<p:sld xmlns:a="http://schemas.openxmlformats.org/drawingml/2006/main" xmlns:r="http://schemas.openxmlformats.org/officeDocument/2006/relationships" xmlns:p="http://schemas.openxmlformats.org/presentationml/2006/main">
+  <p:cSld>
+    <p:spTree>
+      <p:nvGrpSpPr>
+        <p:cNvPr id="1" name=""/>
+        <p:cNvGrpSpPr/>
+        <p:nvPr/>
+      </p:nvGrpSpPr>
+      <p:grpSpPr>
+        <a:xfrm>
+          <a:off x="0" y="0"/>
+          <a:ext cx="0" cy="0"/>
+          <a:chOff x="0" y="0"/>
+          <a:chExt cx="0" cy="0"/>
+        </a:xfrm>
+      </p:grpSpPr>
+      <p:sp>
+        <p:nvSpPr>
+          <p:cNvPr id="2" name="Title 1"/>
+          <p:cNvSpPr>
+            <a:spLocks noGrp="1"/>
+          </p:cNvSpPr>
+          <p:nvPr>
+            <p:ph type="title"/>
+          </p:nvPr>
+        </p:nvSpPr>
+        <p:spPr>
+          <a:xfrm>
+            <a:off x="284309" y="205979"/>
+            <a:ext cx="8552330" cy="662317"/>
+          </a:xfrm>
+        </p:spPr>
+        <p:txBody>
+          <a:bodyPr/>
+          <a:lstStyle/>
+          <a:p>
+            <a:pPr lvl="0" indent="0" marL="0">
+              <a:buNone/>
+            </a:pPr>
+            <a:r>
+              <a:rPr/>
+              <a:t>Exercise</a:t>
+            </a:r>
+          </a:p>
+        </p:txBody>
+      </p:sp>
+      <p:sp>
+        <p:nvSpPr>
+          <p:cNvPr id="3" name="Content Placeholder 2"/>
+          <p:cNvSpPr>
+            <a:spLocks noGrp="1"/>
+          </p:cNvSpPr>
+          <p:nvPr>
+            <p:ph idx="1"/>
+          </p:nvPr>
+        </p:nvSpPr>
+        <p:spPr/>
+        <p:txBody>
+          <a:bodyPr/>
+          <a:lstStyle/>
+          <a:p>
+            <a:pPr lvl="0"/>
+            <a:r>
+              <a:rPr/>
+              <a:t>Reduces risk of complications from treatment</a:t>
+            </a:r>
+          </a:p>
+          <a:p>
+            <a:pPr lvl="0"/>
+            <a:r>
+              <a:rPr/>
+              <a:t>Goal is 30min/day of vigorous exercise 6 days/week</a:t>
+            </a:r>
+          </a:p>
+          <a:p>
+            <a:pPr lvl="1"/>
+            <a:r>
+              <a:rPr/>
+              <a:t>Working hard enough that you can’t converse</a:t>
+            </a:r>
+          </a:p>
+          <a:p>
+            <a:pPr lvl="1"/>
+            <a:r>
+              <a:rPr/>
+              <a:t>Start slowly and build up</a:t>
+            </a:r>
+          </a:p>
+          <a:p>
+            <a:pPr lvl="1"/>
+            <a:r>
+              <a:rPr/>
+              <a:t>Every day counts! (Aim for daily activity)</a:t>
+            </a:r>
+          </a:p>
+        </p:txBody>
+      </p:sp>
+    </p:spTree>
+  </p:cSld>
+</p:sld>
+</file>
+
+<file path=ppt/slides/slide25.xml><?xml version="1.0" encoding="utf-8"?>
 <p:sld xmlns:a="http://schemas.openxmlformats.org/drawingml/2006/main" xmlns:r="http://schemas.openxmlformats.org/officeDocument/2006/relationships" xmlns:p="http://schemas.openxmlformats.org/presentationml/2006/main">
   <p:cSld>
     <p:spTree>
@@ -5656,7 +5908,7 @@
             <a:pPr lvl="0"/>
             <a:r>
               <a:rPr/>
-              <a:t>Does not remove all lymph nodes</a:t>
+              <a:t>Does lower lymph nodes</a:t>
             </a:r>
           </a:p>
         </p:txBody>
@@ -5978,13 +6230,6 @@
         <p:txBody>
           <a:bodyPr/>
           <a:lstStyle/>
-          <a:p>
-            <a:pPr lvl="0" indent="0" marL="0">
-              <a:buNone/>
-            </a:pPr>
-            <a:br/>
-            <a:br/>
-          </a:p>
           <a:p>
             <a:pPr lvl="0"/>
             <a:r>

--- a/lci_gastrectomy.pptx
+++ b/lci_gastrectomy.pptx
@@ -5217,7 +5217,6 @@
               <a:rPr/>
               <a:t>My Atrium Patient Portal</a:t>
             </a:r>
-            <a:br/>
           </a:p>
         </p:txBody>
       </p:sp>
@@ -5335,7 +5334,7 @@
             <a:pPr lvl="0"/>
             <a:r>
               <a:rPr/>
-              <a:t>Goal is 30min/day of vigorous exercise 6 days/week</a:t>
+              <a:t>Goal is 30min/day of vigorous exercise 6 days/wk</a:t>
             </a:r>
           </a:p>
           <a:p>
@@ -5459,7 +5458,7 @@
             <a:pPr lvl="1"/>
             <a:r>
               <a:rPr/>
-              <a:t>American Lung Assn www.freddomfromsmoking.org</a:t>
+              <a:t>American Lung Assn www.freedomfromsmoking.org</a:t>
             </a:r>
           </a:p>
           <a:p>

--- a/lci_gastrectomy.pptx
+++ b/lci_gastrectomy.pptx
@@ -3846,12 +3846,6 @@
           <a:bodyPr/>
           <a:lstStyle/>
           <a:p>
-            <a:pPr lvl="0" indent="0" marL="0">
-              <a:buNone/>
-            </a:pPr>
-            <a:br/>
-          </a:p>
-          <a:p>
             <a:pPr lvl="0"/>
             <a:r>
               <a:rPr/>
@@ -5662,7 +5656,7 @@
             <a:pPr lvl="0"/>
             <a:r>
               <a:rPr/>
-              <a:t>Does not remove lymph nodes</a:t>
+              <a:t>Lymph nodes not removed</a:t>
             </a:r>
           </a:p>
           <a:p>
@@ -6240,7 +6234,7 @@
             <a:pPr lvl="0"/>
             <a:r>
               <a:rPr/>
-              <a:t>Removes nearby lymph nodes</a:t>
+              <a:t>Removes lymph nodes</a:t>
             </a:r>
           </a:p>
           <a:p>

--- a/lci_gastrectomy.pptx
+++ b/lci_gastrectomy.pptx
@@ -4076,12 +4076,6 @@
         <p:txBody>
           <a:bodyPr/>
           <a:lstStyle/>
-          <a:p>
-            <a:pPr lvl="0" indent="0" marL="0">
-              <a:buNone/>
-            </a:pPr>
-            <a:br/>
-          </a:p>
           <a:p>
             <a:pPr lvl="0"/>
             <a:r>

--- a/lci_gastrectomy.pptx
+++ b/lci_gastrectomy.pptx
@@ -3242,8 +3242,8 @@
         <a:spcBef>
           <a:spcPct val="20000"/>
         </a:spcBef>
-        <a:buFont typeface="Arial"/>
-        <a:buChar char="–"/>
+        <a:buFont charset="0" panose="020B0604020202020204" pitchFamily="34" typeface="Arial"/>
+        <a:buChar char="•"/>
         <a:defRPr baseline="0" kern="1200" sz="2400">
           <a:solidFill>
             <a:schemeClr val="tx1"/>

--- a/lci_gastrectomy.pptx
+++ b/lci_gastrectomy.pptx
@@ -4697,7 +4697,7 @@
       </p:sp>
       <p:pic>
         <p:nvPicPr>
-          <p:cNvPr descr="https://deidt7p41jzcy.cloudfront.net/Eso_Laparoscopy.png" id="0" name="Picture 1"/>
+          <p:cNvPr descr="images/Eso_Laparoscopy.png" id="0" name="Picture 1"/>
           <p:cNvPicPr>
             <a:picLocks noGrp="1" noChangeAspect="1"/>
           </p:cNvPicPr>
@@ -4937,7 +4937,7 @@
       </p:sp>
       <p:pic>
         <p:nvPicPr>
-          <p:cNvPr descr="https://deidt7p41jzcy.cloudfront.net/Eso_Laparoscopy.png" id="0" name="Picture 1"/>
+          <p:cNvPr descr="images/Eso_Laparoscopy.png" id="0" name="Picture 1"/>
           <p:cNvPicPr>
             <a:picLocks noGrp="1" noChangeAspect="1"/>
           </p:cNvPicPr>

--- a/lci_gastrectomy.pptx
+++ b/lci_gastrectomy.pptx
@@ -3603,7 +3603,7 @@
       </p:sp>
       <p:pic>
         <p:nvPicPr>
-          <p:cNvPr descr="https://deidt7p41jzcy.cloudfront.net/gast_body.png" id="0" name="Picture 1"/>
+          <p:cNvPr descr="images/gast_body.png" id="0" name="Picture 1"/>
           <p:cNvPicPr>
             <a:picLocks noGrp="1" noChangeAspect="1"/>
           </p:cNvPicPr>
@@ -3633,7 +3633,7 @@
       </p:pic>
       <p:pic>
         <p:nvPicPr>
-          <p:cNvPr descr="https://deidt7p41jzcy.cloudfront.net/gast_subtotal.png" id="0" name="Picture 1"/>
+          <p:cNvPr descr="images/gast_subtotal.png" id="0" name="Picture 1"/>
           <p:cNvPicPr>
             <a:picLocks noGrp="1" noChangeAspect="1"/>
           </p:cNvPicPr>
@@ -3751,7 +3751,7 @@
       </p:sp>
       <p:pic>
         <p:nvPicPr>
-          <p:cNvPr descr="https://deidt7p41jzcy.cloudfront.net/gast_proximal_tumor.png" id="0" name="Picture 1"/>
+          <p:cNvPr descr="images/gast_proximal_tumor.png" id="0" name="Picture 1"/>
           <p:cNvPicPr>
             <a:picLocks noGrp="1" noChangeAspect="1"/>
           </p:cNvPicPr>
@@ -3870,7 +3870,7 @@
       </p:sp>
       <p:pic>
         <p:nvPicPr>
-          <p:cNvPr descr="https://deidt7p41jzcy.cloudfront.net/gast_total.png" id="0" name="Picture 1"/>
+          <p:cNvPr descr="images/gast_total.png" id="0" name="Picture 1"/>
           <p:cNvPicPr>
             <a:picLocks noGrp="1" noChangeAspect="1"/>
           </p:cNvPicPr>
@@ -3952,7 +3952,7 @@
       </p:sp>
       <p:pic>
         <p:nvPicPr>
-          <p:cNvPr descr="https://deidt7p41jzcy.cloudfront.net/gast_proximal_tumor.png" id="0" name="Picture 1"/>
+          <p:cNvPr descr="images/gast_proximal_tumor.png" id="0" name="Picture 1"/>
           <p:cNvPicPr>
             <a:picLocks noGrp="1" noChangeAspect="1"/>
           </p:cNvPicPr>
@@ -3982,7 +3982,7 @@
       </p:pic>
       <p:pic>
         <p:nvPicPr>
-          <p:cNvPr descr="https://deidt7p41jzcy.cloudfront.net/gast_total.png" id="0" name="Picture 1"/>
+          <p:cNvPr descr="images/gast_total.png" id="0" name="Picture 1"/>
           <p:cNvPicPr>
             <a:picLocks noGrp="1" noChangeAspect="1"/>
           </p:cNvPicPr>
@@ -4101,7 +4101,7 @@
       </p:sp>
       <p:pic>
         <p:nvPicPr>
-          <p:cNvPr descr="https://deidt7p41jzcy.cloudfront.net/Eso_tumor00_resection2_1600.png" id="0" name="Picture 1"/>
+          <p:cNvPr descr="images/Eso_tumor00_resection2_1600.png" id="0" name="Picture 1"/>
           <p:cNvPicPr>
             <a:picLocks noGrp="1" noChangeAspect="1"/>
           </p:cNvPicPr>
@@ -4226,7 +4226,7 @@
       </p:sp>
       <p:pic>
         <p:nvPicPr>
-          <p:cNvPr descr="https://deidt7p41jzcy.cloudfront.net/ivor_lewis_simple2_900.png" id="0" name="Picture 1"/>
+          <p:cNvPr descr="images/ivor_lewis_simple2_900.png" id="0" name="Picture 1"/>
           <p:cNvPicPr>
             <a:picLocks noGrp="1" noChangeAspect="1"/>
           </p:cNvPicPr>
@@ -4351,7 +4351,7 @@
       </p:sp>
       <p:pic>
         <p:nvPicPr>
-          <p:cNvPr descr="https://deidt7p41jzcy.cloudfront.net/ivor_lewis_simple2.png" id="0" name="Picture 1"/>
+          <p:cNvPr descr="images/ivor_lewis_simple2.png" id="0" name="Picture 1"/>
           <p:cNvPicPr>
             <a:picLocks noGrp="1" noChangeAspect="1"/>
           </p:cNvPicPr>
@@ -4466,7 +4466,7 @@
       </p:sp>
       <p:pic>
         <p:nvPicPr>
-          <p:cNvPr descr="https://deidt7p41jzcy.cloudfront.net/gast_dualtract.png" id="0" name="Picture 1"/>
+          <p:cNvPr descr="images/gast_dualtract.png" id="0" name="Picture 1"/>
           <p:cNvPicPr>
             <a:picLocks noGrp="1" noChangeAspect="1"/>
           </p:cNvPicPr>
@@ -4548,7 +4548,7 @@
       </p:sp>
       <p:pic>
         <p:nvPicPr>
-          <p:cNvPr descr="https://deidt7p41jzcy.cloudfront.net/gast_proximal_tumor.png" id="0" name="Picture 1"/>
+          <p:cNvPr descr="images/gast_proximal_tumor.png" id="0" name="Picture 1"/>
           <p:cNvPicPr>
             <a:picLocks noGrp="1" noChangeAspect="1"/>
           </p:cNvPicPr>
@@ -4578,7 +4578,7 @@
       </p:pic>
       <p:pic>
         <p:nvPicPr>
-          <p:cNvPr descr="https://deidt7p41jzcy.cloudfront.net/gast_dualtract.png" id="0" name="Picture 1"/>
+          <p:cNvPr descr="images/gast_dualtract.png" id="0" name="Picture 1"/>
           <p:cNvPicPr>
             <a:picLocks noGrp="1" noChangeAspect="1"/>
           </p:cNvPicPr>
@@ -5539,7 +5539,7 @@
       </p:sp>
       <p:pic>
         <p:nvPicPr>
-          <p:cNvPr descr="https://deidt7p41jzcy.cloudfront.net/gast_distal_tumor.png" id="0" name="Picture 1"/>
+          <p:cNvPr descr="images/gast_distal_tumor.png" id="0" name="Picture 1"/>
           <p:cNvPicPr>
             <a:picLocks noGrp="1" noChangeAspect="1"/>
           </p:cNvPicPr>
@@ -5678,7 +5678,7 @@
       </p:sp>
       <p:pic>
         <p:nvPicPr>
-          <p:cNvPr descr="https://deidt7p41jzcy.cloudfront.net/gast_partial.png" id="0" name="Picture 1"/>
+          <p:cNvPr descr="images/gast_partial.png" id="0" name="Picture 1"/>
           <p:cNvPicPr>
             <a:picLocks noGrp="1" noChangeAspect="1"/>
           </p:cNvPicPr>
@@ -5760,7 +5760,7 @@
       </p:sp>
       <p:pic>
         <p:nvPicPr>
-          <p:cNvPr descr="https://deidt7p41jzcy.cloudfront.net/gast_distal_tumor.png" id="0" name="Picture 1"/>
+          <p:cNvPr descr="images/gast_distal_tumor.png" id="0" name="Picture 1"/>
           <p:cNvPicPr>
             <a:picLocks noGrp="1" noChangeAspect="1"/>
           </p:cNvPicPr>
@@ -5790,7 +5790,7 @@
       </p:pic>
       <p:pic>
         <p:nvPicPr>
-          <p:cNvPr descr="https://deidt7p41jzcy.cloudfront.net/gast_partial.png" id="0" name="Picture 1"/>
+          <p:cNvPr descr="images/gast_partial.png" id="0" name="Picture 1"/>
           <p:cNvPicPr>
             <a:picLocks noGrp="1" noChangeAspect="1"/>
           </p:cNvPicPr>
@@ -5902,7 +5902,7 @@
       </p:sp>
       <p:pic>
         <p:nvPicPr>
-          <p:cNvPr descr="https://deidt7p41jzcy.cloudfront.net/gast_distal_gastrectomy.png" id="0" name="Picture 1"/>
+          <p:cNvPr descr="images/gast_distal_gastrectomy.png" id="0" name="Picture 1"/>
           <p:cNvPicPr>
             <a:picLocks noGrp="1" noChangeAspect="1"/>
           </p:cNvPicPr>
@@ -5984,7 +5984,7 @@
       </p:sp>
       <p:pic>
         <p:nvPicPr>
-          <p:cNvPr descr="https://deidt7p41jzcy.cloudfront.net/gast_distal_tumor.png" id="0" name="Picture 1"/>
+          <p:cNvPr descr="images/gast_distal_tumor.png" id="0" name="Picture 1"/>
           <p:cNvPicPr>
             <a:picLocks noGrp="1" noChangeAspect="1"/>
           </p:cNvPicPr>
@@ -6014,7 +6014,7 @@
       </p:pic>
       <p:pic>
         <p:nvPicPr>
-          <p:cNvPr descr="https://deidt7p41jzcy.cloudfront.net/gast_distal_gastrectomy.png" id="0" name="Picture 1"/>
+          <p:cNvPr descr="images/gast_distal_gastrectomy.png" id="0" name="Picture 1"/>
           <p:cNvPicPr>
             <a:picLocks noGrp="1" noChangeAspect="1"/>
           </p:cNvPicPr>
@@ -6123,7 +6123,7 @@
       </p:sp>
       <p:pic>
         <p:nvPicPr>
-          <p:cNvPr descr="https://deidt7p41jzcy.cloudfront.net/gast_body.png" id="0" name="Picture 1"/>
+          <p:cNvPr descr="images/gast_body.png" id="0" name="Picture 1"/>
           <p:cNvPicPr>
             <a:picLocks noGrp="1" noChangeAspect="1"/>
           </p:cNvPicPr>
@@ -6242,7 +6242,7 @@
       </p:sp>
       <p:pic>
         <p:nvPicPr>
-          <p:cNvPr descr="https://deidt7p41jzcy.cloudfront.net/gast_subtotal.png" id="0" name="Picture 1"/>
+          <p:cNvPr descr="images/gast_subtotal.png" id="0" name="Picture 1"/>
           <p:cNvPicPr>
             <a:picLocks noGrp="1" noChangeAspect="1"/>
           </p:cNvPicPr>
